--- a/Spotify Presentation.pptx
+++ b/Spotify Presentation.pptx
@@ -6,13 +6,15 @@
   </p:sldMasterIdLst>
   <p:sldIdLst>
     <p:sldId id="256" r:id="rId2"/>
-    <p:sldId id="257" r:id="rId3"/>
-    <p:sldId id="262" r:id="rId4"/>
-    <p:sldId id="263" r:id="rId5"/>
-    <p:sldId id="261" r:id="rId6"/>
-    <p:sldId id="260" r:id="rId7"/>
-    <p:sldId id="259" r:id="rId8"/>
-    <p:sldId id="258" r:id="rId9"/>
+    <p:sldId id="262" r:id="rId3"/>
+    <p:sldId id="265" r:id="rId4"/>
+    <p:sldId id="257" r:id="rId5"/>
+    <p:sldId id="263" r:id="rId6"/>
+    <p:sldId id="264" r:id="rId7"/>
+    <p:sldId id="261" r:id="rId8"/>
+    <p:sldId id="260" r:id="rId9"/>
+    <p:sldId id="259" r:id="rId10"/>
+    <p:sldId id="258" r:id="rId11"/>
   </p:sldIdLst>
   <p:sldSz cx="12192000" cy="6858000"/>
   <p:notesSz cx="6858000" cy="9144000"/>
@@ -896,11 +898,1067 @@
 </dgm:colorsDef>
 </file>
 
+<file path=ppt/diagrams/colors2.xml><?xml version="1.0" encoding="utf-8"?>
+<dgm:colorsDef xmlns:dgm="http://schemas.openxmlformats.org/drawingml/2006/diagram" xmlns:a="http://schemas.openxmlformats.org/drawingml/2006/main" uniqueId="urn:microsoft.com/office/officeart/2005/8/colors/colorful2">
+  <dgm:title val=""/>
+  <dgm:desc val=""/>
+  <dgm:catLst>
+    <dgm:cat type="colorful" pri="10200"/>
+  </dgm:catLst>
+  <dgm:styleLbl name="node0">
+    <dgm:fillClrLst meth="repeat">
+      <a:schemeClr val="accent1"/>
+    </dgm:fillClrLst>
+    <dgm:linClrLst meth="repeat">
+      <a:schemeClr val="lt1"/>
+    </dgm:linClrLst>
+    <dgm:effectClrLst/>
+    <dgm:txLinClrLst/>
+    <dgm:txFillClrLst/>
+    <dgm:txEffectClrLst/>
+  </dgm:styleLbl>
+  <dgm:styleLbl name="node1">
+    <dgm:fillClrLst>
+      <a:schemeClr val="accent2"/>
+      <a:schemeClr val="accent3"/>
+    </dgm:fillClrLst>
+    <dgm:linClrLst meth="repeat">
+      <a:schemeClr val="lt1"/>
+    </dgm:linClrLst>
+    <dgm:effectClrLst/>
+    <dgm:txLinClrLst/>
+    <dgm:txFillClrLst/>
+    <dgm:txEffectClrLst/>
+  </dgm:styleLbl>
+  <dgm:styleLbl name="alignNode1">
+    <dgm:fillClrLst>
+      <a:schemeClr val="accent2"/>
+      <a:schemeClr val="accent3"/>
+    </dgm:fillClrLst>
+    <dgm:linClrLst>
+      <a:schemeClr val="accent2"/>
+      <a:schemeClr val="accent3"/>
+    </dgm:linClrLst>
+    <dgm:effectClrLst/>
+    <dgm:txLinClrLst/>
+    <dgm:txFillClrLst/>
+    <dgm:txEffectClrLst/>
+  </dgm:styleLbl>
+  <dgm:styleLbl name="lnNode1">
+    <dgm:fillClrLst>
+      <a:schemeClr val="accent2"/>
+      <a:schemeClr val="accent3"/>
+    </dgm:fillClrLst>
+    <dgm:linClrLst meth="repeat">
+      <a:schemeClr val="lt1"/>
+    </dgm:linClrLst>
+    <dgm:effectClrLst/>
+    <dgm:txLinClrLst/>
+    <dgm:txFillClrLst/>
+    <dgm:txEffectClrLst/>
+  </dgm:styleLbl>
+  <dgm:styleLbl name="vennNode1">
+    <dgm:fillClrLst>
+      <a:schemeClr val="accent2">
+        <a:alpha val="50000"/>
+      </a:schemeClr>
+      <a:schemeClr val="accent3">
+        <a:alpha val="50000"/>
+      </a:schemeClr>
+    </dgm:fillClrLst>
+    <dgm:linClrLst meth="repeat">
+      <a:schemeClr val="lt1"/>
+    </dgm:linClrLst>
+    <dgm:effectClrLst/>
+    <dgm:txLinClrLst/>
+    <dgm:txFillClrLst/>
+    <dgm:txEffectClrLst/>
+  </dgm:styleLbl>
+  <dgm:styleLbl name="node2">
+    <dgm:fillClrLst>
+      <a:schemeClr val="accent3"/>
+    </dgm:fillClrLst>
+    <dgm:linClrLst meth="repeat">
+      <a:schemeClr val="lt1"/>
+    </dgm:linClrLst>
+    <dgm:effectClrLst/>
+    <dgm:txLinClrLst/>
+    <dgm:txFillClrLst/>
+    <dgm:txEffectClrLst/>
+  </dgm:styleLbl>
+  <dgm:styleLbl name="node3">
+    <dgm:fillClrLst>
+      <a:schemeClr val="accent4"/>
+    </dgm:fillClrLst>
+    <dgm:linClrLst meth="repeat">
+      <a:schemeClr val="lt1"/>
+    </dgm:linClrLst>
+    <dgm:effectClrLst/>
+    <dgm:txLinClrLst/>
+    <dgm:txFillClrLst/>
+    <dgm:txEffectClrLst/>
+  </dgm:styleLbl>
+  <dgm:styleLbl name="node4">
+    <dgm:fillClrLst>
+      <a:schemeClr val="accent5"/>
+    </dgm:fillClrLst>
+    <dgm:linClrLst meth="repeat">
+      <a:schemeClr val="lt1"/>
+    </dgm:linClrLst>
+    <dgm:effectClrLst/>
+    <dgm:txLinClrLst/>
+    <dgm:txFillClrLst/>
+    <dgm:txEffectClrLst/>
+  </dgm:styleLbl>
+  <dgm:styleLbl name="fgImgPlace1">
+    <dgm:fillClrLst>
+      <a:schemeClr val="accent2">
+        <a:tint val="50000"/>
+      </a:schemeClr>
+      <a:schemeClr val="accent3">
+        <a:tint val="50000"/>
+      </a:schemeClr>
+    </dgm:fillClrLst>
+    <dgm:linClrLst meth="repeat">
+      <a:schemeClr val="lt1"/>
+    </dgm:linClrLst>
+    <dgm:effectClrLst/>
+    <dgm:txLinClrLst/>
+    <dgm:txFillClrLst meth="repeat">
+      <a:schemeClr val="lt1"/>
+    </dgm:txFillClrLst>
+    <dgm:txEffectClrLst/>
+  </dgm:styleLbl>
+  <dgm:styleLbl name="alignImgPlace1">
+    <dgm:fillClrLst>
+      <a:schemeClr val="accent2">
+        <a:tint val="50000"/>
+      </a:schemeClr>
+      <a:schemeClr val="accent3">
+        <a:tint val="20000"/>
+      </a:schemeClr>
+    </dgm:fillClrLst>
+    <dgm:linClrLst meth="repeat">
+      <a:schemeClr val="lt1"/>
+    </dgm:linClrLst>
+    <dgm:effectClrLst/>
+    <dgm:txLinClrLst/>
+    <dgm:txFillClrLst meth="repeat">
+      <a:schemeClr val="lt1"/>
+    </dgm:txFillClrLst>
+    <dgm:txEffectClrLst/>
+  </dgm:styleLbl>
+  <dgm:styleLbl name="bgImgPlace1">
+    <dgm:fillClrLst>
+      <a:schemeClr val="accent2">
+        <a:tint val="50000"/>
+      </a:schemeClr>
+      <a:schemeClr val="accent3">
+        <a:tint val="20000"/>
+      </a:schemeClr>
+    </dgm:fillClrLst>
+    <dgm:linClrLst meth="repeat">
+      <a:schemeClr val="lt1"/>
+    </dgm:linClrLst>
+    <dgm:effectClrLst/>
+    <dgm:txLinClrLst/>
+    <dgm:txFillClrLst meth="repeat">
+      <a:schemeClr val="lt1"/>
+    </dgm:txFillClrLst>
+    <dgm:txEffectClrLst/>
+  </dgm:styleLbl>
+  <dgm:styleLbl name="sibTrans2D1">
+    <dgm:fillClrLst>
+      <a:schemeClr val="accent2"/>
+      <a:schemeClr val="accent3"/>
+    </dgm:fillClrLst>
+    <dgm:linClrLst meth="repeat">
+      <a:schemeClr val="lt1"/>
+    </dgm:linClrLst>
+    <dgm:effectClrLst/>
+    <dgm:txLinClrLst/>
+    <dgm:txFillClrLst/>
+    <dgm:txEffectClrLst/>
+  </dgm:styleLbl>
+  <dgm:styleLbl name="fgSibTrans2D1">
+    <dgm:fillClrLst>
+      <a:schemeClr val="accent2"/>
+      <a:schemeClr val="accent3"/>
+    </dgm:fillClrLst>
+    <dgm:linClrLst meth="repeat">
+      <a:schemeClr val="lt1"/>
+    </dgm:linClrLst>
+    <dgm:effectClrLst/>
+    <dgm:txLinClrLst/>
+    <dgm:txFillClrLst meth="repeat">
+      <a:schemeClr val="lt1"/>
+    </dgm:txFillClrLst>
+    <dgm:txEffectClrLst/>
+  </dgm:styleLbl>
+  <dgm:styleLbl name="bgSibTrans2D1">
+    <dgm:fillClrLst>
+      <a:schemeClr val="accent2"/>
+      <a:schemeClr val="accent3"/>
+    </dgm:fillClrLst>
+    <dgm:linClrLst meth="repeat">
+      <a:schemeClr val="lt1"/>
+    </dgm:linClrLst>
+    <dgm:effectClrLst/>
+    <dgm:txLinClrLst/>
+    <dgm:txFillClrLst meth="repeat">
+      <a:schemeClr val="lt1"/>
+    </dgm:txFillClrLst>
+    <dgm:txEffectClrLst/>
+  </dgm:styleLbl>
+  <dgm:styleLbl name="sibTrans1D1">
+    <dgm:fillClrLst/>
+    <dgm:linClrLst>
+      <a:schemeClr val="accent2"/>
+      <a:schemeClr val="accent3"/>
+    </dgm:linClrLst>
+    <dgm:effectClrLst/>
+    <dgm:txLinClrLst/>
+    <dgm:txFillClrLst meth="repeat">
+      <a:schemeClr val="tx1"/>
+    </dgm:txFillClrLst>
+    <dgm:txEffectClrLst/>
+  </dgm:styleLbl>
+  <dgm:styleLbl name="callout">
+    <dgm:fillClrLst meth="repeat">
+      <a:schemeClr val="accent2"/>
+    </dgm:fillClrLst>
+    <dgm:linClrLst meth="repeat">
+      <a:schemeClr val="accent2">
+        <a:tint val="50000"/>
+      </a:schemeClr>
+    </dgm:linClrLst>
+    <dgm:effectClrLst/>
+    <dgm:txLinClrLst/>
+    <dgm:txFillClrLst meth="repeat">
+      <a:schemeClr val="tx1"/>
+    </dgm:txFillClrLst>
+    <dgm:txEffectClrLst/>
+  </dgm:styleLbl>
+  <dgm:styleLbl name="asst0">
+    <dgm:fillClrLst meth="repeat">
+      <a:schemeClr val="accent2"/>
+    </dgm:fillClrLst>
+    <dgm:linClrLst meth="repeat">
+      <a:schemeClr val="lt1">
+        <a:shade val="80000"/>
+      </a:schemeClr>
+    </dgm:linClrLst>
+    <dgm:effectClrLst/>
+    <dgm:txLinClrLst/>
+    <dgm:txFillClrLst/>
+    <dgm:txEffectClrLst/>
+  </dgm:styleLbl>
+  <dgm:styleLbl name="asst1">
+    <dgm:fillClrLst meth="repeat">
+      <a:schemeClr val="accent3"/>
+    </dgm:fillClrLst>
+    <dgm:linClrLst meth="repeat">
+      <a:schemeClr val="lt1">
+        <a:shade val="80000"/>
+      </a:schemeClr>
+    </dgm:linClrLst>
+    <dgm:effectClrLst/>
+    <dgm:txLinClrLst/>
+    <dgm:txFillClrLst/>
+    <dgm:txEffectClrLst/>
+  </dgm:styleLbl>
+  <dgm:styleLbl name="asst2">
+    <dgm:fillClrLst>
+      <a:schemeClr val="accent4"/>
+    </dgm:fillClrLst>
+    <dgm:linClrLst meth="repeat">
+      <a:schemeClr val="lt1"/>
+    </dgm:linClrLst>
+    <dgm:effectClrLst/>
+    <dgm:txLinClrLst/>
+    <dgm:txFillClrLst/>
+    <dgm:txEffectClrLst/>
+  </dgm:styleLbl>
+  <dgm:styleLbl name="asst3">
+    <dgm:fillClrLst>
+      <a:schemeClr val="accent5"/>
+    </dgm:fillClrLst>
+    <dgm:linClrLst meth="repeat">
+      <a:schemeClr val="lt1"/>
+    </dgm:linClrLst>
+    <dgm:effectClrLst/>
+    <dgm:txLinClrLst/>
+    <dgm:txFillClrLst/>
+    <dgm:txEffectClrLst/>
+  </dgm:styleLbl>
+  <dgm:styleLbl name="asst4">
+    <dgm:fillClrLst>
+      <a:schemeClr val="accent6"/>
+    </dgm:fillClrLst>
+    <dgm:linClrLst meth="repeat">
+      <a:schemeClr val="lt1"/>
+    </dgm:linClrLst>
+    <dgm:effectClrLst/>
+    <dgm:txLinClrLst/>
+    <dgm:txFillClrLst/>
+    <dgm:txEffectClrLst/>
+  </dgm:styleLbl>
+  <dgm:styleLbl name="parChTrans2D1">
+    <dgm:fillClrLst meth="repeat">
+      <a:schemeClr val="accent2"/>
+    </dgm:fillClrLst>
+    <dgm:linClrLst meth="repeat">
+      <a:schemeClr val="lt1"/>
+    </dgm:linClrLst>
+    <dgm:effectClrLst/>
+    <dgm:txLinClrLst/>
+    <dgm:txFillClrLst meth="repeat">
+      <a:schemeClr val="lt1"/>
+    </dgm:txFillClrLst>
+    <dgm:txEffectClrLst/>
+  </dgm:styleLbl>
+  <dgm:styleLbl name="parChTrans2D2">
+    <dgm:fillClrLst meth="repeat">
+      <a:schemeClr val="accent3"/>
+    </dgm:fillClrLst>
+    <dgm:linClrLst meth="repeat">
+      <a:schemeClr val="lt1"/>
+    </dgm:linClrLst>
+    <dgm:effectClrLst/>
+    <dgm:txLinClrLst/>
+    <dgm:txFillClrLst/>
+    <dgm:txEffectClrLst/>
+  </dgm:styleLbl>
+  <dgm:styleLbl name="parChTrans2D3">
+    <dgm:fillClrLst meth="repeat">
+      <a:schemeClr val="accent4"/>
+    </dgm:fillClrLst>
+    <dgm:linClrLst meth="repeat">
+      <a:schemeClr val="lt1"/>
+    </dgm:linClrLst>
+    <dgm:effectClrLst/>
+    <dgm:txLinClrLst/>
+    <dgm:txFillClrLst/>
+    <dgm:txEffectClrLst/>
+  </dgm:styleLbl>
+  <dgm:styleLbl name="parChTrans2D4">
+    <dgm:fillClrLst meth="repeat">
+      <a:schemeClr val="accent5"/>
+    </dgm:fillClrLst>
+    <dgm:linClrLst meth="repeat">
+      <a:schemeClr val="lt1"/>
+    </dgm:linClrLst>
+    <dgm:effectClrLst/>
+    <dgm:txLinClrLst/>
+    <dgm:txFillClrLst meth="repeat">
+      <a:schemeClr val="lt1"/>
+    </dgm:txFillClrLst>
+    <dgm:txEffectClrLst/>
+  </dgm:styleLbl>
+  <dgm:styleLbl name="parChTrans1D1">
+    <dgm:fillClrLst meth="repeat">
+      <a:schemeClr val="accent2"/>
+    </dgm:fillClrLst>
+    <dgm:linClrLst meth="repeat">
+      <a:schemeClr val="accent2"/>
+    </dgm:linClrLst>
+    <dgm:effectClrLst/>
+    <dgm:txLinClrLst/>
+    <dgm:txFillClrLst meth="repeat">
+      <a:schemeClr val="tx1"/>
+    </dgm:txFillClrLst>
+    <dgm:txEffectClrLst/>
+  </dgm:styleLbl>
+  <dgm:styleLbl name="parChTrans1D2">
+    <dgm:fillClrLst meth="repeat">
+      <a:schemeClr val="accent2">
+        <a:tint val="90000"/>
+      </a:schemeClr>
+    </dgm:fillClrLst>
+    <dgm:linClrLst meth="repeat">
+      <a:schemeClr val="accent3"/>
+    </dgm:linClrLst>
+    <dgm:effectClrLst/>
+    <dgm:txLinClrLst/>
+    <dgm:txFillClrLst meth="repeat">
+      <a:schemeClr val="tx1"/>
+    </dgm:txFillClrLst>
+    <dgm:txEffectClrLst/>
+  </dgm:styleLbl>
+  <dgm:styleLbl name="parChTrans1D3">
+    <dgm:fillClrLst meth="repeat">
+      <a:schemeClr val="accent2">
+        <a:tint val="70000"/>
+      </a:schemeClr>
+    </dgm:fillClrLst>
+    <dgm:linClrLst meth="repeat">
+      <a:schemeClr val="accent4"/>
+    </dgm:linClrLst>
+    <dgm:effectClrLst/>
+    <dgm:txLinClrLst/>
+    <dgm:txFillClrLst meth="repeat">
+      <a:schemeClr val="tx1"/>
+    </dgm:txFillClrLst>
+    <dgm:txEffectClrLst/>
+  </dgm:styleLbl>
+  <dgm:styleLbl name="parChTrans1D4">
+    <dgm:fillClrLst meth="repeat">
+      <a:schemeClr val="accent2">
+        <a:tint val="50000"/>
+      </a:schemeClr>
+    </dgm:fillClrLst>
+    <dgm:linClrLst meth="repeat">
+      <a:schemeClr val="accent5"/>
+    </dgm:linClrLst>
+    <dgm:effectClrLst/>
+    <dgm:txLinClrLst/>
+    <dgm:txFillClrLst meth="repeat">
+      <a:schemeClr val="tx1"/>
+    </dgm:txFillClrLst>
+    <dgm:txEffectClrLst/>
+  </dgm:styleLbl>
+  <dgm:styleLbl name="fgAcc1">
+    <dgm:fillClrLst meth="repeat">
+      <a:schemeClr val="lt1">
+        <a:alpha val="90000"/>
+      </a:schemeClr>
+    </dgm:fillClrLst>
+    <dgm:linClrLst>
+      <a:schemeClr val="accent2"/>
+      <a:schemeClr val="accent3"/>
+    </dgm:linClrLst>
+    <dgm:effectClrLst/>
+    <dgm:txLinClrLst/>
+    <dgm:txFillClrLst meth="repeat">
+      <a:schemeClr val="dk1"/>
+    </dgm:txFillClrLst>
+    <dgm:txEffectClrLst/>
+  </dgm:styleLbl>
+  <dgm:styleLbl name="conFgAcc1">
+    <dgm:fillClrLst meth="repeat">
+      <a:schemeClr val="lt1">
+        <a:alpha val="90000"/>
+      </a:schemeClr>
+    </dgm:fillClrLst>
+    <dgm:linClrLst>
+      <a:schemeClr val="accent2"/>
+      <a:schemeClr val="accent3"/>
+    </dgm:linClrLst>
+    <dgm:effectClrLst/>
+    <dgm:txLinClrLst/>
+    <dgm:txFillClrLst meth="repeat">
+      <a:schemeClr val="dk1"/>
+    </dgm:txFillClrLst>
+    <dgm:txEffectClrLst/>
+  </dgm:styleLbl>
+  <dgm:styleLbl name="alignAcc1">
+    <dgm:fillClrLst meth="repeat">
+      <a:schemeClr val="lt1">
+        <a:alpha val="90000"/>
+      </a:schemeClr>
+    </dgm:fillClrLst>
+    <dgm:linClrLst>
+      <a:schemeClr val="accent2"/>
+      <a:schemeClr val="accent3"/>
+    </dgm:linClrLst>
+    <dgm:effectClrLst/>
+    <dgm:txLinClrLst/>
+    <dgm:txFillClrLst meth="repeat">
+      <a:schemeClr val="dk1"/>
+    </dgm:txFillClrLst>
+    <dgm:txEffectClrLst/>
+  </dgm:styleLbl>
+  <dgm:styleLbl name="trAlignAcc1">
+    <dgm:fillClrLst meth="repeat">
+      <a:schemeClr val="lt1">
+        <a:alpha val="40000"/>
+      </a:schemeClr>
+    </dgm:fillClrLst>
+    <dgm:linClrLst meth="repeat">
+      <a:schemeClr val="accent2"/>
+    </dgm:linClrLst>
+    <dgm:effectClrLst/>
+    <dgm:txLinClrLst/>
+    <dgm:txFillClrLst meth="repeat">
+      <a:schemeClr val="dk1"/>
+    </dgm:txFillClrLst>
+    <dgm:txEffectClrLst/>
+  </dgm:styleLbl>
+  <dgm:styleLbl name="bgAcc1">
+    <dgm:fillClrLst meth="repeat">
+      <a:schemeClr val="lt1">
+        <a:alpha val="90000"/>
+      </a:schemeClr>
+    </dgm:fillClrLst>
+    <dgm:linClrLst>
+      <a:schemeClr val="accent2"/>
+      <a:schemeClr val="accent3"/>
+    </dgm:linClrLst>
+    <dgm:effectClrLst/>
+    <dgm:txLinClrLst/>
+    <dgm:txFillClrLst meth="repeat">
+      <a:schemeClr val="dk1"/>
+    </dgm:txFillClrLst>
+    <dgm:txEffectClrLst/>
+  </dgm:styleLbl>
+  <dgm:styleLbl name="solidFgAcc1">
+    <dgm:fillClrLst meth="repeat">
+      <a:schemeClr val="lt1"/>
+    </dgm:fillClrLst>
+    <dgm:linClrLst>
+      <a:schemeClr val="accent2"/>
+      <a:schemeClr val="accent3"/>
+    </dgm:linClrLst>
+    <dgm:effectClrLst/>
+    <dgm:txLinClrLst/>
+    <dgm:txFillClrLst meth="repeat">
+      <a:schemeClr val="dk1"/>
+    </dgm:txFillClrLst>
+    <dgm:txEffectClrLst/>
+  </dgm:styleLbl>
+  <dgm:styleLbl name="solidAlignAcc1">
+    <dgm:fillClrLst meth="repeat">
+      <a:schemeClr val="lt1"/>
+    </dgm:fillClrLst>
+    <dgm:linClrLst>
+      <a:schemeClr val="accent2"/>
+      <a:schemeClr val="accent3"/>
+    </dgm:linClrLst>
+    <dgm:effectClrLst/>
+    <dgm:txLinClrLst/>
+    <dgm:txFillClrLst meth="repeat">
+      <a:schemeClr val="dk1"/>
+    </dgm:txFillClrLst>
+    <dgm:txEffectClrLst/>
+  </dgm:styleLbl>
+  <dgm:styleLbl name="solidBgAcc1">
+    <dgm:fillClrLst meth="repeat">
+      <a:schemeClr val="lt1"/>
+    </dgm:fillClrLst>
+    <dgm:linClrLst>
+      <a:schemeClr val="accent2"/>
+      <a:schemeClr val="accent3"/>
+    </dgm:linClrLst>
+    <dgm:effectClrLst/>
+    <dgm:txLinClrLst/>
+    <dgm:txFillClrLst meth="repeat">
+      <a:schemeClr val="dk1"/>
+    </dgm:txFillClrLst>
+    <dgm:txEffectClrLst/>
+  </dgm:styleLbl>
+  <dgm:styleLbl name="fgAccFollowNode1">
+    <dgm:fillClrLst>
+      <a:schemeClr val="accent2">
+        <a:tint val="40000"/>
+        <a:alpha val="90000"/>
+      </a:schemeClr>
+      <a:schemeClr val="accent3">
+        <a:tint val="40000"/>
+        <a:alpha val="90000"/>
+      </a:schemeClr>
+    </dgm:fillClrLst>
+    <dgm:linClrLst>
+      <a:schemeClr val="accent2">
+        <a:tint val="40000"/>
+        <a:alpha val="90000"/>
+      </a:schemeClr>
+      <a:schemeClr val="accent3">
+        <a:tint val="40000"/>
+        <a:alpha val="90000"/>
+      </a:schemeClr>
+    </dgm:linClrLst>
+    <dgm:effectClrLst/>
+    <dgm:txLinClrLst/>
+    <dgm:txFillClrLst meth="repeat">
+      <a:schemeClr val="dk1"/>
+    </dgm:txFillClrLst>
+    <dgm:txEffectClrLst/>
+  </dgm:styleLbl>
+  <dgm:styleLbl name="alignAccFollowNode1">
+    <dgm:fillClrLst>
+      <a:schemeClr val="accent2">
+        <a:tint val="40000"/>
+        <a:alpha val="90000"/>
+      </a:schemeClr>
+      <a:schemeClr val="accent3">
+        <a:tint val="40000"/>
+        <a:alpha val="90000"/>
+      </a:schemeClr>
+    </dgm:fillClrLst>
+    <dgm:linClrLst>
+      <a:schemeClr val="accent2">
+        <a:tint val="40000"/>
+        <a:alpha val="90000"/>
+      </a:schemeClr>
+      <a:schemeClr val="accent3">
+        <a:tint val="40000"/>
+        <a:alpha val="90000"/>
+      </a:schemeClr>
+    </dgm:linClrLst>
+    <dgm:effectClrLst/>
+    <dgm:txLinClrLst/>
+    <dgm:txFillClrLst meth="repeat">
+      <a:schemeClr val="dk1"/>
+    </dgm:txFillClrLst>
+    <dgm:txEffectClrLst/>
+  </dgm:styleLbl>
+  <dgm:styleLbl name="bgAccFollowNode1">
+    <dgm:fillClrLst>
+      <a:schemeClr val="accent2">
+        <a:tint val="40000"/>
+        <a:alpha val="90000"/>
+      </a:schemeClr>
+      <a:schemeClr val="accent3">
+        <a:tint val="40000"/>
+        <a:alpha val="90000"/>
+      </a:schemeClr>
+    </dgm:fillClrLst>
+    <dgm:linClrLst>
+      <a:schemeClr val="accent2">
+        <a:tint val="40000"/>
+        <a:alpha val="90000"/>
+      </a:schemeClr>
+      <a:schemeClr val="accent3">
+        <a:tint val="40000"/>
+        <a:alpha val="90000"/>
+      </a:schemeClr>
+    </dgm:linClrLst>
+    <dgm:effectClrLst/>
+    <dgm:txLinClrLst/>
+    <dgm:txFillClrLst meth="repeat">
+      <a:schemeClr val="dk1"/>
+    </dgm:txFillClrLst>
+    <dgm:txEffectClrLst/>
+  </dgm:styleLbl>
+  <dgm:styleLbl name="fgAcc0">
+    <dgm:fillClrLst meth="repeat">
+      <a:schemeClr val="lt1">
+        <a:alpha val="90000"/>
+      </a:schemeClr>
+    </dgm:fillClrLst>
+    <dgm:linClrLst>
+      <a:schemeClr val="accent1"/>
+    </dgm:linClrLst>
+    <dgm:effectClrLst/>
+    <dgm:txLinClrLst/>
+    <dgm:txFillClrLst meth="repeat">
+      <a:schemeClr val="dk1"/>
+    </dgm:txFillClrLst>
+    <dgm:txEffectClrLst/>
+  </dgm:styleLbl>
+  <dgm:styleLbl name="fgAcc2">
+    <dgm:fillClrLst meth="repeat">
+      <a:schemeClr val="lt1">
+        <a:alpha val="90000"/>
+      </a:schemeClr>
+    </dgm:fillClrLst>
+    <dgm:linClrLst>
+      <a:schemeClr val="accent3"/>
+    </dgm:linClrLst>
+    <dgm:effectClrLst/>
+    <dgm:txLinClrLst/>
+    <dgm:txFillClrLst meth="repeat">
+      <a:schemeClr val="dk1"/>
+    </dgm:txFillClrLst>
+    <dgm:txEffectClrLst/>
+  </dgm:styleLbl>
+  <dgm:styleLbl name="fgAcc3">
+    <dgm:fillClrLst meth="repeat">
+      <a:schemeClr val="lt1">
+        <a:alpha val="90000"/>
+      </a:schemeClr>
+    </dgm:fillClrLst>
+    <dgm:linClrLst>
+      <a:schemeClr val="accent4"/>
+    </dgm:linClrLst>
+    <dgm:effectClrLst/>
+    <dgm:txLinClrLst/>
+    <dgm:txFillClrLst meth="repeat">
+      <a:schemeClr val="dk1"/>
+    </dgm:txFillClrLst>
+    <dgm:txEffectClrLst/>
+  </dgm:styleLbl>
+  <dgm:styleLbl name="fgAcc4">
+    <dgm:fillClrLst meth="repeat">
+      <a:schemeClr val="lt1">
+        <a:alpha val="90000"/>
+      </a:schemeClr>
+    </dgm:fillClrLst>
+    <dgm:linClrLst>
+      <a:schemeClr val="accent5"/>
+    </dgm:linClrLst>
+    <dgm:effectClrLst/>
+    <dgm:txLinClrLst/>
+    <dgm:txFillClrLst meth="repeat">
+      <a:schemeClr val="dk1"/>
+    </dgm:txFillClrLst>
+    <dgm:txEffectClrLst/>
+  </dgm:styleLbl>
+  <dgm:styleLbl name="bgShp">
+    <dgm:fillClrLst meth="repeat">
+      <a:schemeClr val="accent2">
+        <a:tint val="40000"/>
+      </a:schemeClr>
+    </dgm:fillClrLst>
+    <dgm:linClrLst meth="repeat">
+      <a:schemeClr val="dk1"/>
+    </dgm:linClrLst>
+    <dgm:effectClrLst/>
+    <dgm:txLinClrLst/>
+    <dgm:txFillClrLst meth="repeat">
+      <a:schemeClr val="dk1"/>
+    </dgm:txFillClrLst>
+    <dgm:txEffectClrLst/>
+  </dgm:styleLbl>
+  <dgm:styleLbl name="dkBgShp">
+    <dgm:fillClrLst meth="repeat">
+      <a:schemeClr val="accent2">
+        <a:shade val="90000"/>
+      </a:schemeClr>
+    </dgm:fillClrLst>
+    <dgm:linClrLst meth="repeat">
+      <a:schemeClr val="dk1"/>
+    </dgm:linClrLst>
+    <dgm:effectClrLst/>
+    <dgm:txLinClrLst/>
+    <dgm:txFillClrLst meth="repeat">
+      <a:schemeClr val="lt1"/>
+    </dgm:txFillClrLst>
+    <dgm:txEffectClrLst/>
+  </dgm:styleLbl>
+  <dgm:styleLbl name="trBgShp">
+    <dgm:fillClrLst meth="repeat">
+      <a:schemeClr val="accent2">
+        <a:tint val="50000"/>
+        <a:alpha val="40000"/>
+      </a:schemeClr>
+    </dgm:fillClrLst>
+    <dgm:linClrLst meth="repeat">
+      <a:schemeClr val="accent2"/>
+    </dgm:linClrLst>
+    <dgm:effectClrLst/>
+    <dgm:txLinClrLst/>
+    <dgm:txFillClrLst meth="repeat">
+      <a:schemeClr val="lt1"/>
+    </dgm:txFillClrLst>
+    <dgm:txEffectClrLst/>
+  </dgm:styleLbl>
+  <dgm:styleLbl name="fgShp">
+    <dgm:fillClrLst meth="repeat">
+      <a:schemeClr val="accent2">
+        <a:tint val="40000"/>
+      </a:schemeClr>
+    </dgm:fillClrLst>
+    <dgm:linClrLst meth="repeat">
+      <a:schemeClr val="lt1"/>
+    </dgm:linClrLst>
+    <dgm:effectClrLst/>
+    <dgm:txLinClrLst/>
+    <dgm:txFillClrLst meth="repeat">
+      <a:schemeClr val="dk1"/>
+    </dgm:txFillClrLst>
+    <dgm:txEffectClrLst/>
+  </dgm:styleLbl>
+  <dgm:styleLbl name="revTx">
+    <dgm:fillClrLst meth="repeat">
+      <a:schemeClr val="lt1">
+        <a:alpha val="0"/>
+      </a:schemeClr>
+    </dgm:fillClrLst>
+    <dgm:linClrLst meth="repeat">
+      <a:schemeClr val="dk1">
+        <a:alpha val="0"/>
+      </a:schemeClr>
+    </dgm:linClrLst>
+    <dgm:effectClrLst/>
+    <dgm:txLinClrLst/>
+    <dgm:txFillClrLst meth="repeat">
+      <a:schemeClr val="tx1"/>
+    </dgm:txFillClrLst>
+    <dgm:txEffectClrLst/>
+  </dgm:styleLbl>
+</dgm:colorsDef>
+</file>
+
 <file path=ppt/diagrams/data1.xml><?xml version="1.0" encoding="utf-8"?>
 <dgm:dataModel xmlns:dgm="http://schemas.openxmlformats.org/drawingml/2006/diagram" xmlns:a="http://schemas.openxmlformats.org/drawingml/2006/main">
   <dgm:ptLst>
+    <dgm:pt modelId="{283E33B9-204A-43BB-AE22-E0C076CA7672}" type="doc">
+      <dgm:prSet loTypeId="urn:microsoft.com/office/officeart/2008/layout/LinedList" loCatId="list" qsTypeId="urn:microsoft.com/office/officeart/2005/8/quickstyle/simple1" qsCatId="simple" csTypeId="urn:microsoft.com/office/officeart/2005/8/colors/colorful2" csCatId="colorful" phldr="1"/>
+      <dgm:spPr/>
+      <dgm:t>
+        <a:bodyPr/>
+        <a:lstStyle/>
+        <a:p>
+          <a:endParaRPr lang="en-US"/>
+        </a:p>
+      </dgm:t>
+    </dgm:pt>
+    <dgm:pt modelId="{61F72EEE-737F-4D8F-8A98-BED336912B12}">
+      <dgm:prSet/>
+      <dgm:spPr/>
+      <dgm:t>
+        <a:bodyPr/>
+        <a:lstStyle/>
+        <a:p>
+          <a:r>
+            <a:rPr lang="en-US" dirty="0">
+              <a:highlight>
+                <a:srgbClr val="FFFF00"/>
+              </a:highlight>
+            </a:rPr>
+            <a:t>Elaborate on the questions you asked, describing what kinds of data you needed to answer them, and where you found it</a:t>
+          </a:r>
+        </a:p>
+      </dgm:t>
+    </dgm:pt>
+    <dgm:pt modelId="{97CD37C2-644C-4D0E-B5E7-DAC899993F84}" type="parTrans" cxnId="{A0E7A4F4-5D89-47AC-86E7-65F49D41CFF4}">
+      <dgm:prSet/>
+      <dgm:spPr/>
+      <dgm:t>
+        <a:bodyPr/>
+        <a:lstStyle/>
+        <a:p>
+          <a:endParaRPr lang="en-US"/>
+        </a:p>
+      </dgm:t>
+    </dgm:pt>
+    <dgm:pt modelId="{EA9E8443-7A59-4F90-8232-3FE09006FD6F}" type="sibTrans" cxnId="{A0E7A4F4-5D89-47AC-86E7-65F49D41CFF4}">
+      <dgm:prSet/>
+      <dgm:spPr/>
+      <dgm:t>
+        <a:bodyPr/>
+        <a:lstStyle/>
+        <a:p>
+          <a:endParaRPr lang="en-US"/>
+        </a:p>
+      </dgm:t>
+    </dgm:pt>
+    <dgm:pt modelId="{D32CB7F3-09EE-4B6A-98DB-962D8D3048AC}">
+      <dgm:prSet/>
+      <dgm:spPr/>
+      <dgm:t>
+        <a:bodyPr/>
+        <a:lstStyle/>
+        <a:p>
+          <a:r>
+            <a:rPr lang="en-US"/>
+            <a:t>We wanted to know whether we could find a trend in song metric analysis among songs that made it into the Billboard Top 100 and songs that did not.</a:t>
+          </a:r>
+        </a:p>
+      </dgm:t>
+    </dgm:pt>
+    <dgm:pt modelId="{DE75C3FA-8596-48F9-A009-873655AC6D91}" type="parTrans" cxnId="{F4D339D4-C48C-492F-9FC4-38751BE057C9}">
+      <dgm:prSet/>
+      <dgm:spPr/>
+      <dgm:t>
+        <a:bodyPr/>
+        <a:lstStyle/>
+        <a:p>
+          <a:endParaRPr lang="en-US"/>
+        </a:p>
+      </dgm:t>
+    </dgm:pt>
+    <dgm:pt modelId="{592DB3DC-F98A-4979-BEA0-AA6A7210EB5F}" type="sibTrans" cxnId="{F4D339D4-C48C-492F-9FC4-38751BE057C9}">
+      <dgm:prSet/>
+      <dgm:spPr/>
+      <dgm:t>
+        <a:bodyPr/>
+        <a:lstStyle/>
+        <a:p>
+          <a:endParaRPr lang="en-US"/>
+        </a:p>
+      </dgm:t>
+    </dgm:pt>
+    <dgm:pt modelId="{623CB1AA-A283-457F-8FF5-41F41E3DBB46}">
+      <dgm:prSet/>
+      <dgm:spPr/>
+      <dgm:t>
+        <a:bodyPr/>
+        <a:lstStyle/>
+        <a:p>
+          <a:r>
+            <a:rPr lang="en-US"/>
+            <a:t>To answer this, we needed a list of all of the songs that have ever been on the Billboard Top 100 (pulled via Billboard) and the song metrics for all of these songs (provided by Spotify).</a:t>
+          </a:r>
+        </a:p>
+      </dgm:t>
+    </dgm:pt>
+    <dgm:pt modelId="{DEF57F81-7860-48F4-A6DC-D3A6563FC666}" type="parTrans" cxnId="{B02ADEFF-3347-4D15-8532-51BEFFE9BAFD}">
+      <dgm:prSet/>
+      <dgm:spPr/>
+      <dgm:t>
+        <a:bodyPr/>
+        <a:lstStyle/>
+        <a:p>
+          <a:endParaRPr lang="en-US"/>
+        </a:p>
+      </dgm:t>
+    </dgm:pt>
+    <dgm:pt modelId="{10D02F8A-1ED8-4BE2-A482-FB1C7956FAED}" type="sibTrans" cxnId="{B02ADEFF-3347-4D15-8532-51BEFFE9BAFD}">
+      <dgm:prSet/>
+      <dgm:spPr/>
+      <dgm:t>
+        <a:bodyPr/>
+        <a:lstStyle/>
+        <a:p>
+          <a:endParaRPr lang="en-US"/>
+        </a:p>
+      </dgm:t>
+    </dgm:pt>
+    <dgm:pt modelId="{EBE6D43A-42CD-44D6-8827-09DBFDD587A0}">
+      <dgm:prSet/>
+      <dgm:spPr/>
+      <dgm:t>
+        <a:bodyPr/>
+        <a:lstStyle/>
+        <a:p>
+          <a:r>
+            <a:rPr lang="en-US" dirty="0"/>
+            <a:t>Settled on using the Spotify API due to robustness and relatability of music. With 191M active monthly users and 87M paying subscribers as of Q3 2018 Earnings (Nov 1) Spotify owns a lot of music data!</a:t>
+          </a:r>
+        </a:p>
+      </dgm:t>
+    </dgm:pt>
+    <dgm:pt modelId="{0143AF3E-71EA-467E-A0EE-4D5C08827824}" type="parTrans" cxnId="{12A2B172-FEC4-41D4-ABF7-3D10EAD9E04C}">
+      <dgm:prSet/>
+      <dgm:spPr/>
+      <dgm:t>
+        <a:bodyPr/>
+        <a:lstStyle/>
+        <a:p>
+          <a:endParaRPr lang="en-US"/>
+        </a:p>
+      </dgm:t>
+    </dgm:pt>
+    <dgm:pt modelId="{C8E52873-CC6E-4A78-9F4B-764A73711203}" type="sibTrans" cxnId="{12A2B172-FEC4-41D4-ABF7-3D10EAD9E04C}">
+      <dgm:prSet/>
+      <dgm:spPr/>
+      <dgm:t>
+        <a:bodyPr/>
+        <a:lstStyle/>
+        <a:p>
+          <a:endParaRPr lang="en-US"/>
+        </a:p>
+      </dgm:t>
+    </dgm:pt>
+    <dgm:pt modelId="{F1C4A9B9-1B32-4FBF-A211-B58C2E700D89}" type="pres">
+      <dgm:prSet presAssocID="{283E33B9-204A-43BB-AE22-E0C076CA7672}" presName="vert0" presStyleCnt="0">
+        <dgm:presLayoutVars>
+          <dgm:dir/>
+          <dgm:animOne val="branch"/>
+          <dgm:animLvl val="lvl"/>
+        </dgm:presLayoutVars>
+      </dgm:prSet>
+      <dgm:spPr/>
+    </dgm:pt>
+    <dgm:pt modelId="{78E59AAF-A7BE-4028-908E-118A1931C2CD}" type="pres">
+      <dgm:prSet presAssocID="{61F72EEE-737F-4D8F-8A98-BED336912B12}" presName="thickLine" presStyleLbl="alignNode1" presStyleIdx="0" presStyleCnt="4"/>
+      <dgm:spPr/>
+    </dgm:pt>
+    <dgm:pt modelId="{A01876C7-7378-4B68-BF05-A96333EE19C2}" type="pres">
+      <dgm:prSet presAssocID="{61F72EEE-737F-4D8F-8A98-BED336912B12}" presName="horz1" presStyleCnt="0"/>
+      <dgm:spPr/>
+    </dgm:pt>
+    <dgm:pt modelId="{D438D1A0-45FD-46CC-BF6F-692C15CD69FF}" type="pres">
+      <dgm:prSet presAssocID="{61F72EEE-737F-4D8F-8A98-BED336912B12}" presName="tx1" presStyleLbl="revTx" presStyleIdx="0" presStyleCnt="4"/>
+      <dgm:spPr/>
+    </dgm:pt>
+    <dgm:pt modelId="{D5FD6870-2C82-4D93-850D-C9010F527E9E}" type="pres">
+      <dgm:prSet presAssocID="{61F72EEE-737F-4D8F-8A98-BED336912B12}" presName="vert1" presStyleCnt="0"/>
+      <dgm:spPr/>
+    </dgm:pt>
+    <dgm:pt modelId="{BD26DC5D-EA59-41B2-9CF0-BD6FAB94CAD9}" type="pres">
+      <dgm:prSet presAssocID="{D32CB7F3-09EE-4B6A-98DB-962D8D3048AC}" presName="thickLine" presStyleLbl="alignNode1" presStyleIdx="1" presStyleCnt="4"/>
+      <dgm:spPr/>
+    </dgm:pt>
+    <dgm:pt modelId="{2C11A21E-7A57-43FB-9FDB-94782E6294D3}" type="pres">
+      <dgm:prSet presAssocID="{D32CB7F3-09EE-4B6A-98DB-962D8D3048AC}" presName="horz1" presStyleCnt="0"/>
+      <dgm:spPr/>
+    </dgm:pt>
+    <dgm:pt modelId="{2FD34BBF-42F8-4E38-B48F-5737892E67B7}" type="pres">
+      <dgm:prSet presAssocID="{D32CB7F3-09EE-4B6A-98DB-962D8D3048AC}" presName="tx1" presStyleLbl="revTx" presStyleIdx="1" presStyleCnt="4"/>
+      <dgm:spPr/>
+    </dgm:pt>
+    <dgm:pt modelId="{91568FBB-3423-49E2-BDAE-E45D9B130F80}" type="pres">
+      <dgm:prSet presAssocID="{D32CB7F3-09EE-4B6A-98DB-962D8D3048AC}" presName="vert1" presStyleCnt="0"/>
+      <dgm:spPr/>
+    </dgm:pt>
+    <dgm:pt modelId="{98F40019-8B01-41AD-B434-F847F2BB0CB0}" type="pres">
+      <dgm:prSet presAssocID="{623CB1AA-A283-457F-8FF5-41F41E3DBB46}" presName="thickLine" presStyleLbl="alignNode1" presStyleIdx="2" presStyleCnt="4"/>
+      <dgm:spPr/>
+    </dgm:pt>
+    <dgm:pt modelId="{57EC043B-AD0A-4119-8AFC-2EA1BE1A85BB}" type="pres">
+      <dgm:prSet presAssocID="{623CB1AA-A283-457F-8FF5-41F41E3DBB46}" presName="horz1" presStyleCnt="0"/>
+      <dgm:spPr/>
+    </dgm:pt>
+    <dgm:pt modelId="{1C2BD8A4-3432-485A-A191-520384760B6E}" type="pres">
+      <dgm:prSet presAssocID="{623CB1AA-A283-457F-8FF5-41F41E3DBB46}" presName="tx1" presStyleLbl="revTx" presStyleIdx="2" presStyleCnt="4"/>
+      <dgm:spPr/>
+    </dgm:pt>
+    <dgm:pt modelId="{BAE7CD56-10CF-4E81-800F-8E039466A044}" type="pres">
+      <dgm:prSet presAssocID="{623CB1AA-A283-457F-8FF5-41F41E3DBB46}" presName="vert1" presStyleCnt="0"/>
+      <dgm:spPr/>
+    </dgm:pt>
+    <dgm:pt modelId="{649A269D-46C0-4568-9011-4B946ED49421}" type="pres">
+      <dgm:prSet presAssocID="{EBE6D43A-42CD-44D6-8827-09DBFDD587A0}" presName="thickLine" presStyleLbl="alignNode1" presStyleIdx="3" presStyleCnt="4"/>
+      <dgm:spPr/>
+    </dgm:pt>
+    <dgm:pt modelId="{74436687-D105-4941-BDA1-1D608B86926E}" type="pres">
+      <dgm:prSet presAssocID="{EBE6D43A-42CD-44D6-8827-09DBFDD587A0}" presName="horz1" presStyleCnt="0"/>
+      <dgm:spPr/>
+    </dgm:pt>
+    <dgm:pt modelId="{CF06FC1C-691E-4C79-9849-8A8CE138FCEB}" type="pres">
+      <dgm:prSet presAssocID="{EBE6D43A-42CD-44D6-8827-09DBFDD587A0}" presName="tx1" presStyleLbl="revTx" presStyleIdx="3" presStyleCnt="4"/>
+      <dgm:spPr/>
+    </dgm:pt>
+    <dgm:pt modelId="{9A184A50-1BCC-4F3F-B077-17FC2374A41E}" type="pres">
+      <dgm:prSet presAssocID="{EBE6D43A-42CD-44D6-8827-09DBFDD587A0}" presName="vert1" presStyleCnt="0"/>
+      <dgm:spPr/>
+    </dgm:pt>
+  </dgm:ptLst>
+  <dgm:cxnLst>
+    <dgm:cxn modelId="{53EC5E26-E31E-4003-A7C3-0D3B469F9E74}" type="presOf" srcId="{61F72EEE-737F-4D8F-8A98-BED336912B12}" destId="{D438D1A0-45FD-46CC-BF6F-692C15CD69FF}" srcOrd="0" destOrd="0" presId="urn:microsoft.com/office/officeart/2008/layout/LinedList"/>
+    <dgm:cxn modelId="{12A2B172-FEC4-41D4-ABF7-3D10EAD9E04C}" srcId="{283E33B9-204A-43BB-AE22-E0C076CA7672}" destId="{EBE6D43A-42CD-44D6-8827-09DBFDD587A0}" srcOrd="3" destOrd="0" parTransId="{0143AF3E-71EA-467E-A0EE-4D5C08827824}" sibTransId="{C8E52873-CC6E-4A78-9F4B-764A73711203}"/>
+    <dgm:cxn modelId="{1FBECE7F-75F2-4930-B8C0-AA1F56B7C616}" type="presOf" srcId="{623CB1AA-A283-457F-8FF5-41F41E3DBB46}" destId="{1C2BD8A4-3432-485A-A191-520384760B6E}" srcOrd="0" destOrd="0" presId="urn:microsoft.com/office/officeart/2008/layout/LinedList"/>
+    <dgm:cxn modelId="{481194B4-F376-4A4C-9C37-9E2E2F6DDEE1}" type="presOf" srcId="{283E33B9-204A-43BB-AE22-E0C076CA7672}" destId="{F1C4A9B9-1B32-4FBF-A211-B58C2E700D89}" srcOrd="0" destOrd="0" presId="urn:microsoft.com/office/officeart/2008/layout/LinedList"/>
+    <dgm:cxn modelId="{6C7CE4D2-23F2-4657-8E1C-5BF2993FC970}" type="presOf" srcId="{EBE6D43A-42CD-44D6-8827-09DBFDD587A0}" destId="{CF06FC1C-691E-4C79-9849-8A8CE138FCEB}" srcOrd="0" destOrd="0" presId="urn:microsoft.com/office/officeart/2008/layout/LinedList"/>
+    <dgm:cxn modelId="{F4D339D4-C48C-492F-9FC4-38751BE057C9}" srcId="{283E33B9-204A-43BB-AE22-E0C076CA7672}" destId="{D32CB7F3-09EE-4B6A-98DB-962D8D3048AC}" srcOrd="1" destOrd="0" parTransId="{DE75C3FA-8596-48F9-A009-873655AC6D91}" sibTransId="{592DB3DC-F98A-4979-BEA0-AA6A7210EB5F}"/>
+    <dgm:cxn modelId="{DBCFC5E5-97C6-43B7-B926-7B7698064622}" type="presOf" srcId="{D32CB7F3-09EE-4B6A-98DB-962D8D3048AC}" destId="{2FD34BBF-42F8-4E38-B48F-5737892E67B7}" srcOrd="0" destOrd="0" presId="urn:microsoft.com/office/officeart/2008/layout/LinedList"/>
+    <dgm:cxn modelId="{A0E7A4F4-5D89-47AC-86E7-65F49D41CFF4}" srcId="{283E33B9-204A-43BB-AE22-E0C076CA7672}" destId="{61F72EEE-737F-4D8F-8A98-BED336912B12}" srcOrd="0" destOrd="0" parTransId="{97CD37C2-644C-4D0E-B5E7-DAC899993F84}" sibTransId="{EA9E8443-7A59-4F90-8232-3FE09006FD6F}"/>
+    <dgm:cxn modelId="{B02ADEFF-3347-4D15-8532-51BEFFE9BAFD}" srcId="{283E33B9-204A-43BB-AE22-E0C076CA7672}" destId="{623CB1AA-A283-457F-8FF5-41F41E3DBB46}" srcOrd="2" destOrd="0" parTransId="{DEF57F81-7860-48F4-A6DC-D3A6563FC666}" sibTransId="{10D02F8A-1ED8-4BE2-A482-FB1C7956FAED}"/>
+    <dgm:cxn modelId="{3E0E5A4F-BCD5-469E-B54A-3C5B90428210}" type="presParOf" srcId="{F1C4A9B9-1B32-4FBF-A211-B58C2E700D89}" destId="{78E59AAF-A7BE-4028-908E-118A1931C2CD}" srcOrd="0" destOrd="0" presId="urn:microsoft.com/office/officeart/2008/layout/LinedList"/>
+    <dgm:cxn modelId="{7ECBD327-4EBB-480E-BB11-9EA1816C5679}" type="presParOf" srcId="{F1C4A9B9-1B32-4FBF-A211-B58C2E700D89}" destId="{A01876C7-7378-4B68-BF05-A96333EE19C2}" srcOrd="1" destOrd="0" presId="urn:microsoft.com/office/officeart/2008/layout/LinedList"/>
+    <dgm:cxn modelId="{CB3BB6B4-2BEB-4C36-BEE9-5D8F7EC0835F}" type="presParOf" srcId="{A01876C7-7378-4B68-BF05-A96333EE19C2}" destId="{D438D1A0-45FD-46CC-BF6F-692C15CD69FF}" srcOrd="0" destOrd="0" presId="urn:microsoft.com/office/officeart/2008/layout/LinedList"/>
+    <dgm:cxn modelId="{77A314A5-771F-412A-9BA7-3AAF1F32F78C}" type="presParOf" srcId="{A01876C7-7378-4B68-BF05-A96333EE19C2}" destId="{D5FD6870-2C82-4D93-850D-C9010F527E9E}" srcOrd="1" destOrd="0" presId="urn:microsoft.com/office/officeart/2008/layout/LinedList"/>
+    <dgm:cxn modelId="{C2E971E6-14FE-45EC-934C-EBD24FDD8640}" type="presParOf" srcId="{F1C4A9B9-1B32-4FBF-A211-B58C2E700D89}" destId="{BD26DC5D-EA59-41B2-9CF0-BD6FAB94CAD9}" srcOrd="2" destOrd="0" presId="urn:microsoft.com/office/officeart/2008/layout/LinedList"/>
+    <dgm:cxn modelId="{80B22F21-334D-4F3E-AA56-AF6E410A98D4}" type="presParOf" srcId="{F1C4A9B9-1B32-4FBF-A211-B58C2E700D89}" destId="{2C11A21E-7A57-43FB-9FDB-94782E6294D3}" srcOrd="3" destOrd="0" presId="urn:microsoft.com/office/officeart/2008/layout/LinedList"/>
+    <dgm:cxn modelId="{99D863AD-61EB-40CD-8E4C-6F9CB4BDA507}" type="presParOf" srcId="{2C11A21E-7A57-43FB-9FDB-94782E6294D3}" destId="{2FD34BBF-42F8-4E38-B48F-5737892E67B7}" srcOrd="0" destOrd="0" presId="urn:microsoft.com/office/officeart/2008/layout/LinedList"/>
+    <dgm:cxn modelId="{ADE4FDCC-E56A-45C1-A679-37288109DD75}" type="presParOf" srcId="{2C11A21E-7A57-43FB-9FDB-94782E6294D3}" destId="{91568FBB-3423-49E2-BDAE-E45D9B130F80}" srcOrd="1" destOrd="0" presId="urn:microsoft.com/office/officeart/2008/layout/LinedList"/>
+    <dgm:cxn modelId="{BDF86226-2B67-4346-BA90-0B826F4BABBE}" type="presParOf" srcId="{F1C4A9B9-1B32-4FBF-A211-B58C2E700D89}" destId="{98F40019-8B01-41AD-B434-F847F2BB0CB0}" srcOrd="4" destOrd="0" presId="urn:microsoft.com/office/officeart/2008/layout/LinedList"/>
+    <dgm:cxn modelId="{4E36E111-9C9A-4BEE-8A4A-109EB42C4847}" type="presParOf" srcId="{F1C4A9B9-1B32-4FBF-A211-B58C2E700D89}" destId="{57EC043B-AD0A-4119-8AFC-2EA1BE1A85BB}" srcOrd="5" destOrd="0" presId="urn:microsoft.com/office/officeart/2008/layout/LinedList"/>
+    <dgm:cxn modelId="{7C12B8A2-93F5-4014-9B60-687F578FC675}" type="presParOf" srcId="{57EC043B-AD0A-4119-8AFC-2EA1BE1A85BB}" destId="{1C2BD8A4-3432-485A-A191-520384760B6E}" srcOrd="0" destOrd="0" presId="urn:microsoft.com/office/officeart/2008/layout/LinedList"/>
+    <dgm:cxn modelId="{B39AFF09-10C7-4FAE-BBA3-609869CBE6F5}" type="presParOf" srcId="{57EC043B-AD0A-4119-8AFC-2EA1BE1A85BB}" destId="{BAE7CD56-10CF-4E81-800F-8E039466A044}" srcOrd="1" destOrd="0" presId="urn:microsoft.com/office/officeart/2008/layout/LinedList"/>
+    <dgm:cxn modelId="{FDEC47B8-42B9-46A9-824E-83E832765976}" type="presParOf" srcId="{F1C4A9B9-1B32-4FBF-A211-B58C2E700D89}" destId="{649A269D-46C0-4568-9011-4B946ED49421}" srcOrd="6" destOrd="0" presId="urn:microsoft.com/office/officeart/2008/layout/LinedList"/>
+    <dgm:cxn modelId="{AC69EC04-4677-4954-BCCF-3E34218ED4E4}" type="presParOf" srcId="{F1C4A9B9-1B32-4FBF-A211-B58C2E700D89}" destId="{74436687-D105-4941-BDA1-1D608B86926E}" srcOrd="7" destOrd="0" presId="urn:microsoft.com/office/officeart/2008/layout/LinedList"/>
+    <dgm:cxn modelId="{8A782F51-B164-4F83-8A48-831CBFE395B9}" type="presParOf" srcId="{74436687-D105-4941-BDA1-1D608B86926E}" destId="{CF06FC1C-691E-4C79-9849-8A8CE138FCEB}" srcOrd="0" destOrd="0" presId="urn:microsoft.com/office/officeart/2008/layout/LinedList"/>
+    <dgm:cxn modelId="{2122ECB5-495D-42DF-BA33-DC6091A14033}" type="presParOf" srcId="{74436687-D105-4941-BDA1-1D608B86926E}" destId="{9A184A50-1BCC-4F3F-B077-17FC2374A41E}" srcOrd="1" destOrd="0" presId="urn:microsoft.com/office/officeart/2008/layout/LinedList"/>
+  </dgm:cxnLst>
+  <dgm:bg/>
+  <dgm:whole/>
+  <dgm:extLst>
+    <a:ext uri="http://schemas.microsoft.com/office/drawing/2008/diagram">
+      <dsp:dataModelExt xmlns:dsp="http://schemas.microsoft.com/office/drawing/2008/diagram" relId="rId6" minVer="http://schemas.openxmlformats.org/drawingml/2006/diagram"/>
+    </a:ext>
+  </dgm:extLst>
+</dgm:dataModel>
+</file>
+
+<file path=ppt/diagrams/data2.xml><?xml version="1.0" encoding="utf-8"?>
+<dgm:dataModel xmlns:dgm="http://schemas.openxmlformats.org/drawingml/2006/diagram" xmlns:a="http://schemas.openxmlformats.org/drawingml/2006/main">
+  <dgm:ptLst>
     <dgm:pt modelId="{C18D176B-7266-4B15-B2E8-1D92B1D52E9F}" type="doc">
-      <dgm:prSet loTypeId="urn:microsoft.com/office/officeart/2008/layout/LinedList" loCatId="list" qsTypeId="urn:microsoft.com/office/officeart/2005/8/quickstyle/simple1" qsCatId="simple" csTypeId="urn:microsoft.com/office/officeart/2005/8/colors/colorful2" csCatId="colorful"/>
+      <dgm:prSet loTypeId="urn:microsoft.com/office/officeart/2008/layout/LinedList" loCatId="list" qsTypeId="urn:microsoft.com/office/officeart/2005/8/quickstyle/simple1" qsCatId="simple" csTypeId="urn:microsoft.com/office/officeart/2005/8/colors/colorful2" csCatId="colorful" phldr="1"/>
       <dgm:spPr/>
       <dgm:t>
         <a:bodyPr/>
@@ -962,16 +2020,16 @@
         <a:lstStyle/>
         <a:p>
           <a:r>
-            <a:rPr lang="en-US"/>
+            <a:rPr lang="en-US" dirty="0"/>
             <a:t>H</a:t>
           </a:r>
           <a:r>
-            <a:rPr lang="en-US" baseline="-25000"/>
+            <a:rPr lang="en-US" baseline="-25000" dirty="0"/>
             <a:t>1</a:t>
           </a:r>
           <a:r>
-            <a:rPr lang="en-US"/>
-            <a:t> : There is a correlation between Spotify song metrics (Popularity, Danceability, Valence, etc.) on Billboard Top 100 over the past 60 years and song that did not make the Billboard Top 100.</a:t>
+            <a:rPr lang="en-US" dirty="0"/>
+            <a:t> : There is a correlation between Spotify song metrics (Popularity, Danceability, Valence, etc.) on Billboard Top 100 over the past 60 years and songs that did not make the Billboard Top 100.</a:t>
           </a:r>
         </a:p>
       </dgm:t>
@@ -1074,6 +2132,462 @@
       <dsp:cNvGrpSpPr/>
     </dsp:nvGrpSpPr>
     <dsp:grpSpPr/>
+    <dsp:sp modelId="{78E59AAF-A7BE-4028-908E-118A1931C2CD}">
+      <dsp:nvSpPr>
+        <dsp:cNvPr id="0" name=""/>
+        <dsp:cNvSpPr/>
+      </dsp:nvSpPr>
+      <dsp:spPr>
+        <a:xfrm>
+          <a:off x="0" y="0"/>
+          <a:ext cx="6492875" cy="0"/>
+        </a:xfrm>
+        <a:prstGeom prst="line">
+          <a:avLst/>
+        </a:prstGeom>
+        <a:solidFill>
+          <a:schemeClr val="accent2">
+            <a:hueOff val="0"/>
+            <a:satOff val="0"/>
+            <a:lumOff val="0"/>
+            <a:alphaOff val="0"/>
+          </a:schemeClr>
+        </a:solidFill>
+        <a:ln w="12700" cap="flat" cmpd="sng" algn="ctr">
+          <a:solidFill>
+            <a:schemeClr val="accent2">
+              <a:hueOff val="0"/>
+              <a:satOff val="0"/>
+              <a:lumOff val="0"/>
+              <a:alphaOff val="0"/>
+            </a:schemeClr>
+          </a:solidFill>
+          <a:prstDash val="solid"/>
+          <a:miter lim="800000"/>
+        </a:ln>
+        <a:effectLst/>
+      </dsp:spPr>
+      <dsp:style>
+        <a:lnRef idx="2">
+          <a:scrgbClr r="0" g="0" b="0"/>
+        </a:lnRef>
+        <a:fillRef idx="1">
+          <a:scrgbClr r="0" g="0" b="0"/>
+        </a:fillRef>
+        <a:effectRef idx="0">
+          <a:scrgbClr r="0" g="0" b="0"/>
+        </a:effectRef>
+        <a:fontRef idx="minor">
+          <a:schemeClr val="lt1"/>
+        </a:fontRef>
+      </dsp:style>
+    </dsp:sp>
+    <dsp:sp modelId="{D438D1A0-45FD-46CC-BF6F-692C15CD69FF}">
+      <dsp:nvSpPr>
+        <dsp:cNvPr id="0" name=""/>
+        <dsp:cNvSpPr/>
+      </dsp:nvSpPr>
+      <dsp:spPr>
+        <a:xfrm>
+          <a:off x="0" y="0"/>
+          <a:ext cx="6492875" cy="1276350"/>
+        </a:xfrm>
+        <a:prstGeom prst="rect">
+          <a:avLst/>
+        </a:prstGeom>
+        <a:noFill/>
+        <a:ln>
+          <a:noFill/>
+        </a:ln>
+        <a:effectLst/>
+      </dsp:spPr>
+      <dsp:style>
+        <a:lnRef idx="0">
+          <a:scrgbClr r="0" g="0" b="0"/>
+        </a:lnRef>
+        <a:fillRef idx="0">
+          <a:scrgbClr r="0" g="0" b="0"/>
+        </a:fillRef>
+        <a:effectRef idx="0">
+          <a:scrgbClr r="0" g="0" b="0"/>
+        </a:effectRef>
+        <a:fontRef idx="minor"/>
+      </dsp:style>
+      <dsp:txBody>
+        <a:bodyPr spcFirstLastPara="0" vert="horz" wrap="square" lIns="76200" tIns="76200" rIns="76200" bIns="76200" numCol="1" spcCol="1270" anchor="t" anchorCtr="0">
+          <a:noAutofit/>
+        </a:bodyPr>
+        <a:lstStyle/>
+        <a:p>
+          <a:pPr marL="0" lvl="0" indent="0" algn="l" defTabSz="889000">
+            <a:lnSpc>
+              <a:spcPct val="90000"/>
+            </a:lnSpc>
+            <a:spcBef>
+              <a:spcPct val="0"/>
+            </a:spcBef>
+            <a:spcAft>
+              <a:spcPct val="35000"/>
+            </a:spcAft>
+            <a:buNone/>
+          </a:pPr>
+          <a:r>
+            <a:rPr lang="en-US" sz="2000" kern="1200" dirty="0">
+              <a:highlight>
+                <a:srgbClr val="FFFF00"/>
+              </a:highlight>
+            </a:rPr>
+            <a:t>Elaborate on the questions you asked, describing what kinds of data you needed to answer them, and where you found it</a:t>
+          </a:r>
+        </a:p>
+      </dsp:txBody>
+      <dsp:txXfrm>
+        <a:off x="0" y="0"/>
+        <a:ext cx="6492875" cy="1276350"/>
+      </dsp:txXfrm>
+    </dsp:sp>
+    <dsp:sp modelId="{BD26DC5D-EA59-41B2-9CF0-BD6FAB94CAD9}">
+      <dsp:nvSpPr>
+        <dsp:cNvPr id="0" name=""/>
+        <dsp:cNvSpPr/>
+      </dsp:nvSpPr>
+      <dsp:spPr>
+        <a:xfrm>
+          <a:off x="0" y="1276350"/>
+          <a:ext cx="6492875" cy="0"/>
+        </a:xfrm>
+        <a:prstGeom prst="line">
+          <a:avLst/>
+        </a:prstGeom>
+        <a:solidFill>
+          <a:schemeClr val="accent2">
+            <a:hueOff val="-485121"/>
+            <a:satOff val="-27976"/>
+            <a:lumOff val="2876"/>
+            <a:alphaOff val="0"/>
+          </a:schemeClr>
+        </a:solidFill>
+        <a:ln w="12700" cap="flat" cmpd="sng" algn="ctr">
+          <a:solidFill>
+            <a:schemeClr val="accent2">
+              <a:hueOff val="-485121"/>
+              <a:satOff val="-27976"/>
+              <a:lumOff val="2876"/>
+              <a:alphaOff val="0"/>
+            </a:schemeClr>
+          </a:solidFill>
+          <a:prstDash val="solid"/>
+          <a:miter lim="800000"/>
+        </a:ln>
+        <a:effectLst/>
+      </dsp:spPr>
+      <dsp:style>
+        <a:lnRef idx="2">
+          <a:scrgbClr r="0" g="0" b="0"/>
+        </a:lnRef>
+        <a:fillRef idx="1">
+          <a:scrgbClr r="0" g="0" b="0"/>
+        </a:fillRef>
+        <a:effectRef idx="0">
+          <a:scrgbClr r="0" g="0" b="0"/>
+        </a:effectRef>
+        <a:fontRef idx="minor">
+          <a:schemeClr val="lt1"/>
+        </a:fontRef>
+      </dsp:style>
+    </dsp:sp>
+    <dsp:sp modelId="{2FD34BBF-42F8-4E38-B48F-5737892E67B7}">
+      <dsp:nvSpPr>
+        <dsp:cNvPr id="0" name=""/>
+        <dsp:cNvSpPr/>
+      </dsp:nvSpPr>
+      <dsp:spPr>
+        <a:xfrm>
+          <a:off x="0" y="1276350"/>
+          <a:ext cx="6492875" cy="1276350"/>
+        </a:xfrm>
+        <a:prstGeom prst="rect">
+          <a:avLst/>
+        </a:prstGeom>
+        <a:noFill/>
+        <a:ln>
+          <a:noFill/>
+        </a:ln>
+        <a:effectLst/>
+      </dsp:spPr>
+      <dsp:style>
+        <a:lnRef idx="0">
+          <a:scrgbClr r="0" g="0" b="0"/>
+        </a:lnRef>
+        <a:fillRef idx="0">
+          <a:scrgbClr r="0" g="0" b="0"/>
+        </a:fillRef>
+        <a:effectRef idx="0">
+          <a:scrgbClr r="0" g="0" b="0"/>
+        </a:effectRef>
+        <a:fontRef idx="minor"/>
+      </dsp:style>
+      <dsp:txBody>
+        <a:bodyPr spcFirstLastPara="0" vert="horz" wrap="square" lIns="76200" tIns="76200" rIns="76200" bIns="76200" numCol="1" spcCol="1270" anchor="t" anchorCtr="0">
+          <a:noAutofit/>
+        </a:bodyPr>
+        <a:lstStyle/>
+        <a:p>
+          <a:pPr marL="0" lvl="0" indent="0" algn="l" defTabSz="889000">
+            <a:lnSpc>
+              <a:spcPct val="90000"/>
+            </a:lnSpc>
+            <a:spcBef>
+              <a:spcPct val="0"/>
+            </a:spcBef>
+            <a:spcAft>
+              <a:spcPct val="35000"/>
+            </a:spcAft>
+            <a:buNone/>
+          </a:pPr>
+          <a:r>
+            <a:rPr lang="en-US" sz="2000" kern="1200"/>
+            <a:t>We wanted to know whether we could find a trend in song metric analysis among songs that made it into the Billboard Top 100 and songs that did not.</a:t>
+          </a:r>
+        </a:p>
+      </dsp:txBody>
+      <dsp:txXfrm>
+        <a:off x="0" y="1276350"/>
+        <a:ext cx="6492875" cy="1276350"/>
+      </dsp:txXfrm>
+    </dsp:sp>
+    <dsp:sp modelId="{98F40019-8B01-41AD-B434-F847F2BB0CB0}">
+      <dsp:nvSpPr>
+        <dsp:cNvPr id="0" name=""/>
+        <dsp:cNvSpPr/>
+      </dsp:nvSpPr>
+      <dsp:spPr>
+        <a:xfrm>
+          <a:off x="0" y="2552700"/>
+          <a:ext cx="6492875" cy="0"/>
+        </a:xfrm>
+        <a:prstGeom prst="line">
+          <a:avLst/>
+        </a:prstGeom>
+        <a:solidFill>
+          <a:schemeClr val="accent2">
+            <a:hueOff val="-970242"/>
+            <a:satOff val="-55952"/>
+            <a:lumOff val="5752"/>
+            <a:alphaOff val="0"/>
+          </a:schemeClr>
+        </a:solidFill>
+        <a:ln w="12700" cap="flat" cmpd="sng" algn="ctr">
+          <a:solidFill>
+            <a:schemeClr val="accent2">
+              <a:hueOff val="-970242"/>
+              <a:satOff val="-55952"/>
+              <a:lumOff val="5752"/>
+              <a:alphaOff val="0"/>
+            </a:schemeClr>
+          </a:solidFill>
+          <a:prstDash val="solid"/>
+          <a:miter lim="800000"/>
+        </a:ln>
+        <a:effectLst/>
+      </dsp:spPr>
+      <dsp:style>
+        <a:lnRef idx="2">
+          <a:scrgbClr r="0" g="0" b="0"/>
+        </a:lnRef>
+        <a:fillRef idx="1">
+          <a:scrgbClr r="0" g="0" b="0"/>
+        </a:fillRef>
+        <a:effectRef idx="0">
+          <a:scrgbClr r="0" g="0" b="0"/>
+        </a:effectRef>
+        <a:fontRef idx="minor">
+          <a:schemeClr val="lt1"/>
+        </a:fontRef>
+      </dsp:style>
+    </dsp:sp>
+    <dsp:sp modelId="{1C2BD8A4-3432-485A-A191-520384760B6E}">
+      <dsp:nvSpPr>
+        <dsp:cNvPr id="0" name=""/>
+        <dsp:cNvSpPr/>
+      </dsp:nvSpPr>
+      <dsp:spPr>
+        <a:xfrm>
+          <a:off x="0" y="2552700"/>
+          <a:ext cx="6492875" cy="1276350"/>
+        </a:xfrm>
+        <a:prstGeom prst="rect">
+          <a:avLst/>
+        </a:prstGeom>
+        <a:noFill/>
+        <a:ln>
+          <a:noFill/>
+        </a:ln>
+        <a:effectLst/>
+      </dsp:spPr>
+      <dsp:style>
+        <a:lnRef idx="0">
+          <a:scrgbClr r="0" g="0" b="0"/>
+        </a:lnRef>
+        <a:fillRef idx="0">
+          <a:scrgbClr r="0" g="0" b="0"/>
+        </a:fillRef>
+        <a:effectRef idx="0">
+          <a:scrgbClr r="0" g="0" b="0"/>
+        </a:effectRef>
+        <a:fontRef idx="minor"/>
+      </dsp:style>
+      <dsp:txBody>
+        <a:bodyPr spcFirstLastPara="0" vert="horz" wrap="square" lIns="76200" tIns="76200" rIns="76200" bIns="76200" numCol="1" spcCol="1270" anchor="t" anchorCtr="0">
+          <a:noAutofit/>
+        </a:bodyPr>
+        <a:lstStyle/>
+        <a:p>
+          <a:pPr marL="0" lvl="0" indent="0" algn="l" defTabSz="889000">
+            <a:lnSpc>
+              <a:spcPct val="90000"/>
+            </a:lnSpc>
+            <a:spcBef>
+              <a:spcPct val="0"/>
+            </a:spcBef>
+            <a:spcAft>
+              <a:spcPct val="35000"/>
+            </a:spcAft>
+            <a:buNone/>
+          </a:pPr>
+          <a:r>
+            <a:rPr lang="en-US" sz="2000" kern="1200"/>
+            <a:t>To answer this, we needed a list of all of the songs that have ever been on the Billboard Top 100 (pulled via Billboard) and the song metrics for all of these songs (provided by Spotify).</a:t>
+          </a:r>
+        </a:p>
+      </dsp:txBody>
+      <dsp:txXfrm>
+        <a:off x="0" y="2552700"/>
+        <a:ext cx="6492875" cy="1276350"/>
+      </dsp:txXfrm>
+    </dsp:sp>
+    <dsp:sp modelId="{649A269D-46C0-4568-9011-4B946ED49421}">
+      <dsp:nvSpPr>
+        <dsp:cNvPr id="0" name=""/>
+        <dsp:cNvSpPr/>
+      </dsp:nvSpPr>
+      <dsp:spPr>
+        <a:xfrm>
+          <a:off x="0" y="3829050"/>
+          <a:ext cx="6492875" cy="0"/>
+        </a:xfrm>
+        <a:prstGeom prst="line">
+          <a:avLst/>
+        </a:prstGeom>
+        <a:solidFill>
+          <a:schemeClr val="accent2">
+            <a:hueOff val="-1455363"/>
+            <a:satOff val="-83928"/>
+            <a:lumOff val="8628"/>
+            <a:alphaOff val="0"/>
+          </a:schemeClr>
+        </a:solidFill>
+        <a:ln w="12700" cap="flat" cmpd="sng" algn="ctr">
+          <a:solidFill>
+            <a:schemeClr val="accent2">
+              <a:hueOff val="-1455363"/>
+              <a:satOff val="-83928"/>
+              <a:lumOff val="8628"/>
+              <a:alphaOff val="0"/>
+            </a:schemeClr>
+          </a:solidFill>
+          <a:prstDash val="solid"/>
+          <a:miter lim="800000"/>
+        </a:ln>
+        <a:effectLst/>
+      </dsp:spPr>
+      <dsp:style>
+        <a:lnRef idx="2">
+          <a:scrgbClr r="0" g="0" b="0"/>
+        </a:lnRef>
+        <a:fillRef idx="1">
+          <a:scrgbClr r="0" g="0" b="0"/>
+        </a:fillRef>
+        <a:effectRef idx="0">
+          <a:scrgbClr r="0" g="0" b="0"/>
+        </a:effectRef>
+        <a:fontRef idx="minor">
+          <a:schemeClr val="lt1"/>
+        </a:fontRef>
+      </dsp:style>
+    </dsp:sp>
+    <dsp:sp modelId="{CF06FC1C-691E-4C79-9849-8A8CE138FCEB}">
+      <dsp:nvSpPr>
+        <dsp:cNvPr id="0" name=""/>
+        <dsp:cNvSpPr/>
+      </dsp:nvSpPr>
+      <dsp:spPr>
+        <a:xfrm>
+          <a:off x="0" y="3829050"/>
+          <a:ext cx="6492875" cy="1276350"/>
+        </a:xfrm>
+        <a:prstGeom prst="rect">
+          <a:avLst/>
+        </a:prstGeom>
+        <a:noFill/>
+        <a:ln>
+          <a:noFill/>
+        </a:ln>
+        <a:effectLst/>
+      </dsp:spPr>
+      <dsp:style>
+        <a:lnRef idx="0">
+          <a:scrgbClr r="0" g="0" b="0"/>
+        </a:lnRef>
+        <a:fillRef idx="0">
+          <a:scrgbClr r="0" g="0" b="0"/>
+        </a:fillRef>
+        <a:effectRef idx="0">
+          <a:scrgbClr r="0" g="0" b="0"/>
+        </a:effectRef>
+        <a:fontRef idx="minor"/>
+      </dsp:style>
+      <dsp:txBody>
+        <a:bodyPr spcFirstLastPara="0" vert="horz" wrap="square" lIns="76200" tIns="76200" rIns="76200" bIns="76200" numCol="1" spcCol="1270" anchor="t" anchorCtr="0">
+          <a:noAutofit/>
+        </a:bodyPr>
+        <a:lstStyle/>
+        <a:p>
+          <a:pPr marL="0" lvl="0" indent="0" algn="l" defTabSz="889000">
+            <a:lnSpc>
+              <a:spcPct val="90000"/>
+            </a:lnSpc>
+            <a:spcBef>
+              <a:spcPct val="0"/>
+            </a:spcBef>
+            <a:spcAft>
+              <a:spcPct val="35000"/>
+            </a:spcAft>
+            <a:buNone/>
+          </a:pPr>
+          <a:r>
+            <a:rPr lang="en-US" sz="2000" kern="1200" dirty="0"/>
+            <a:t>Settled on using the Spotify API due to robustness and relatability of music. With 191M active monthly users and 87M paying subscribers as of Q3 2018 Earnings (Nov 1) Spotify owns a lot of music data!</a:t>
+          </a:r>
+        </a:p>
+      </dsp:txBody>
+      <dsp:txXfrm>
+        <a:off x="0" y="3829050"/>
+        <a:ext cx="6492875" cy="1276350"/>
+      </dsp:txXfrm>
+    </dsp:sp>
+  </dsp:spTree>
+</dsp:drawing>
+</file>
+
+<file path=ppt/diagrams/drawing2.xml><?xml version="1.0" encoding="utf-8"?>
+<dsp:drawing xmlns:dgm="http://schemas.openxmlformats.org/drawingml/2006/diagram" xmlns:dsp="http://schemas.microsoft.com/office/drawing/2008/diagram" xmlns:a="http://schemas.openxmlformats.org/drawingml/2006/main">
+  <dsp:spTree>
+    <dsp:nvGrpSpPr>
+      <dsp:cNvPr id="0" name=""/>
+      <dsp:cNvGrpSpPr/>
+    </dsp:nvGrpSpPr>
+    <dsp:grpSpPr/>
     <dsp:sp modelId="{F65CB9DE-7A87-4BB8-94CC-F91963257A38}">
       <dsp:nvSpPr>
         <dsp:cNvPr id="0" name=""/>
@@ -1156,12 +2670,12 @@
         <a:fontRef idx="minor"/>
       </dsp:style>
       <dsp:txBody>
-        <a:bodyPr spcFirstLastPara="0" vert="horz" wrap="square" lIns="114300" tIns="114300" rIns="114300" bIns="114300" numCol="1" spcCol="1270" anchor="t" anchorCtr="0">
+        <a:bodyPr spcFirstLastPara="0" vert="horz" wrap="square" lIns="110490" tIns="110490" rIns="110490" bIns="110490" numCol="1" spcCol="1270" anchor="t" anchorCtr="0">
           <a:noAutofit/>
         </a:bodyPr>
         <a:lstStyle/>
         <a:p>
-          <a:pPr marL="0" lvl="0" indent="0" algn="l" defTabSz="1333500">
+          <a:pPr marL="0" lvl="0" indent="0" algn="l" defTabSz="1289050">
             <a:lnSpc>
               <a:spcPct val="90000"/>
             </a:lnSpc>
@@ -1174,15 +2688,15 @@
             <a:buNone/>
           </a:pPr>
           <a:r>
-            <a:rPr lang="en-US" sz="3000" kern="1200"/>
+            <a:rPr lang="en-US" sz="2900" kern="1200"/>
             <a:t>(Null) H</a:t>
           </a:r>
           <a:r>
-            <a:rPr lang="en-US" sz="3000" kern="1200" baseline="-25000"/>
+            <a:rPr lang="en-US" sz="2900" kern="1200" baseline="-25000"/>
             <a:t>0</a:t>
           </a:r>
           <a:r>
-            <a:rPr lang="en-US" sz="3000" kern="1200"/>
+            <a:rPr lang="en-US" sz="2900" kern="1200"/>
             <a:t> : There is no difference in Spotify song features between songs that have and have not been on the Billboard Hot 100 list since 1958.</a:t>
           </a:r>
         </a:p>
@@ -1274,12 +2788,12 @@
         <a:fontRef idx="minor"/>
       </dsp:style>
       <dsp:txBody>
-        <a:bodyPr spcFirstLastPara="0" vert="horz" wrap="square" lIns="114300" tIns="114300" rIns="114300" bIns="114300" numCol="1" spcCol="1270" anchor="t" anchorCtr="0">
+        <a:bodyPr spcFirstLastPara="0" vert="horz" wrap="square" lIns="110490" tIns="110490" rIns="110490" bIns="110490" numCol="1" spcCol="1270" anchor="t" anchorCtr="0">
           <a:noAutofit/>
         </a:bodyPr>
         <a:lstStyle/>
         <a:p>
-          <a:pPr marL="0" lvl="0" indent="0" algn="l" defTabSz="1333500">
+          <a:pPr marL="0" lvl="0" indent="0" algn="l" defTabSz="1289050">
             <a:lnSpc>
               <a:spcPct val="90000"/>
             </a:lnSpc>
@@ -1292,16 +2806,16 @@
             <a:buNone/>
           </a:pPr>
           <a:r>
-            <a:rPr lang="en-US" sz="3000" kern="1200"/>
+            <a:rPr lang="en-US" sz="2900" kern="1200" dirty="0"/>
             <a:t>H</a:t>
           </a:r>
           <a:r>
-            <a:rPr lang="en-US" sz="3000" kern="1200" baseline="-25000"/>
+            <a:rPr lang="en-US" sz="2900" kern="1200" baseline="-25000" dirty="0"/>
             <a:t>1</a:t>
           </a:r>
           <a:r>
-            <a:rPr lang="en-US" sz="3000" kern="1200"/>
-            <a:t> : There is a correlation between Spotify song metrics (Popularity, Danceability, Valence, etc.) on Billboard Top 100 over the past 60 years and song that did not make the Billboard Top 100.</a:t>
+            <a:rPr lang="en-US" sz="2900" kern="1200" dirty="0"/>
+            <a:t> : There is a correlation between Spotify song metrics (Popularity, Danceability, Valence, etc.) on Billboard Top 100 over the past 60 years and songs that did not make the Billboard Top 100.</a:t>
           </a:r>
         </a:p>
       </dsp:txBody>
@@ -1315,6 +2829,472 @@
 </file>
 
 <file path=ppt/diagrams/layout1.xml><?xml version="1.0" encoding="utf-8"?>
+<dgm:layoutDef xmlns:dgm="http://schemas.openxmlformats.org/drawingml/2006/diagram" xmlns:a="http://schemas.openxmlformats.org/drawingml/2006/main" uniqueId="urn:microsoft.com/office/officeart/2008/layout/LinedList">
+  <dgm:title val=""/>
+  <dgm:desc val=""/>
+  <dgm:catLst>
+    <dgm:cat type="hierarchy" pri="8000"/>
+    <dgm:cat type="list" pri="2500"/>
+  </dgm:catLst>
+  <dgm:sampData>
+    <dgm:dataModel>
+      <dgm:ptLst>
+        <dgm:pt modelId="0" type="doc"/>
+        <dgm:pt modelId="1">
+          <dgm:prSet phldr="1"/>
+        </dgm:pt>
+        <dgm:pt modelId="11">
+          <dgm:prSet phldr="1"/>
+        </dgm:pt>
+        <dgm:pt modelId="12">
+          <dgm:prSet phldr="1"/>
+        </dgm:pt>
+        <dgm:pt modelId="13">
+          <dgm:prSet phldr="1"/>
+        </dgm:pt>
+      </dgm:ptLst>
+      <dgm:cxnLst>
+        <dgm:cxn modelId="2" srcId="0" destId="1" srcOrd="0" destOrd="0"/>
+        <dgm:cxn modelId="3" srcId="1" destId="11" srcOrd="0" destOrd="0"/>
+        <dgm:cxn modelId="4" srcId="1" destId="12" srcOrd="1" destOrd="0"/>
+        <dgm:cxn modelId="5" srcId="1" destId="13" srcOrd="2" destOrd="0"/>
+      </dgm:cxnLst>
+      <dgm:bg/>
+      <dgm:whole/>
+    </dgm:dataModel>
+  </dgm:sampData>
+  <dgm:styleData>
+    <dgm:dataModel>
+      <dgm:ptLst>
+        <dgm:pt modelId="0" type="doc"/>
+        <dgm:pt modelId="1">
+          <dgm:prSet phldr="1"/>
+        </dgm:pt>
+        <dgm:pt modelId="11">
+          <dgm:prSet phldr="1"/>
+        </dgm:pt>
+        <dgm:pt modelId="12">
+          <dgm:prSet phldr="1"/>
+        </dgm:pt>
+      </dgm:ptLst>
+      <dgm:cxnLst>
+        <dgm:cxn modelId="2" srcId="0" destId="1" srcOrd="0" destOrd="0"/>
+        <dgm:cxn modelId="3" srcId="1" destId="11" srcOrd="0" destOrd="0"/>
+        <dgm:cxn modelId="4" srcId="1" destId="12" srcOrd="1" destOrd="0"/>
+      </dgm:cxnLst>
+      <dgm:bg/>
+      <dgm:whole/>
+    </dgm:dataModel>
+  </dgm:styleData>
+  <dgm:clrData>
+    <dgm:dataModel>
+      <dgm:ptLst>
+        <dgm:pt modelId="0" type="doc"/>
+        <dgm:pt modelId="1">
+          <dgm:prSet phldr="1"/>
+        </dgm:pt>
+        <dgm:pt modelId="11">
+          <dgm:prSet phldr="1"/>
+        </dgm:pt>
+        <dgm:pt modelId="12">
+          <dgm:prSet phldr="1"/>
+        </dgm:pt>
+      </dgm:ptLst>
+      <dgm:cxnLst>
+        <dgm:cxn modelId="2" srcId="0" destId="1" srcOrd="0" destOrd="0"/>
+        <dgm:cxn modelId="3" srcId="1" destId="11" srcOrd="0" destOrd="0"/>
+        <dgm:cxn modelId="4" srcId="1" destId="12" srcOrd="1" destOrd="0"/>
+      </dgm:cxnLst>
+      <dgm:bg/>
+      <dgm:whole/>
+    </dgm:dataModel>
+  </dgm:clrData>
+  <dgm:layoutNode name="vert0">
+    <dgm:varLst>
+      <dgm:dir/>
+      <dgm:animOne val="branch"/>
+      <dgm:animLvl val="lvl"/>
+    </dgm:varLst>
+    <dgm:choose name="Name0">
+      <dgm:if name="Name1" func="var" arg="dir" op="equ" val="norm">
+        <dgm:alg type="lin">
+          <dgm:param type="linDir" val="fromT"/>
+          <dgm:param type="nodeHorzAlign" val="l"/>
+        </dgm:alg>
+      </dgm:if>
+      <dgm:else name="Name2">
+        <dgm:alg type="lin">
+          <dgm:param type="linDir" val="fromT"/>
+          <dgm:param type="nodeHorzAlign" val="r"/>
+        </dgm:alg>
+      </dgm:else>
+    </dgm:choose>
+    <dgm:shape xmlns:r="http://schemas.openxmlformats.org/officeDocument/2006/relationships" r:blip="">
+      <dgm:adjLst/>
+    </dgm:shape>
+    <dgm:presOf/>
+    <dgm:constrLst>
+      <dgm:constr type="w" for="ch" forName="horz1" refType="w"/>
+      <dgm:constr type="h" for="ch" forName="horz1" refType="h"/>
+      <dgm:constr type="h" for="des" forName="vert1" refType="h"/>
+      <dgm:constr type="h" for="des" forName="tx1" refType="h"/>
+      <dgm:constr type="h" for="des" forName="horz2" refType="h"/>
+      <dgm:constr type="h" for="des" forName="vert2" refType="h"/>
+      <dgm:constr type="h" for="des" forName="horz3" refType="h"/>
+      <dgm:constr type="h" for="des" forName="vert3" refType="h"/>
+      <dgm:constr type="h" for="des" forName="horz4" refType="h"/>
+      <dgm:constr type="h" for="des" ptType="node" refType="h"/>
+      <dgm:constr type="primFontSz" for="des" forName="tx1" op="equ" val="65"/>
+      <dgm:constr type="primFontSz" for="des" forName="tx2" op="equ" val="65"/>
+      <dgm:constr type="primFontSz" for="des" forName="tx3" op="equ" val="65"/>
+      <dgm:constr type="primFontSz" for="des" forName="tx4" op="equ" val="65"/>
+      <dgm:constr type="w" for="des" forName="thickLine" refType="w"/>
+      <dgm:constr type="h" for="des" forName="thickLine"/>
+      <dgm:constr type="h" for="des" forName="thinLine1"/>
+      <dgm:constr type="h" for="des" forName="thinLine2b"/>
+      <dgm:constr type="h" for="des" forName="thinLine3"/>
+      <dgm:constr type="h" for="des" forName="vertSpace2a" refType="h" fact="0.05"/>
+      <dgm:constr type="h" for="des" forName="vertSpace2b" refType="h" refFor="des" refForName="vertSpace2a"/>
+    </dgm:constrLst>
+    <dgm:forEach name="Name3" axis="ch" ptType="node">
+      <dgm:layoutNode name="thickLine" styleLbl="alignNode1">
+        <dgm:alg type="sp"/>
+        <dgm:shape xmlns:r="http://schemas.openxmlformats.org/officeDocument/2006/relationships" type="line" r:blip="">
+          <dgm:adjLst/>
+        </dgm:shape>
+        <dgm:presOf/>
+      </dgm:layoutNode>
+      <dgm:layoutNode name="horz1">
+        <dgm:choose name="Name4">
+          <dgm:if name="Name5" func="var" arg="dir" op="equ" val="norm">
+            <dgm:alg type="lin">
+              <dgm:param type="linDir" val="fromL"/>
+              <dgm:param type="nodeVertAlign" val="t"/>
+            </dgm:alg>
+          </dgm:if>
+          <dgm:else name="Name6">
+            <dgm:alg type="lin">
+              <dgm:param type="linDir" val="fromR"/>
+              <dgm:param type="nodeVertAlign" val="t"/>
+            </dgm:alg>
+          </dgm:else>
+        </dgm:choose>
+        <dgm:shape xmlns:r="http://schemas.openxmlformats.org/officeDocument/2006/relationships" r:blip="">
+          <dgm:adjLst/>
+        </dgm:shape>
+        <dgm:presOf/>
+        <dgm:choose name="Name7">
+          <dgm:if name="Name8" axis="root des" func="maxDepth" op="equ" val="1">
+            <dgm:constrLst>
+              <dgm:constr type="w" for="ch" forName="tx1" refType="w"/>
+            </dgm:constrLst>
+          </dgm:if>
+          <dgm:if name="Name9" axis="root des" func="maxDepth" op="equ" val="2">
+            <dgm:constrLst>
+              <dgm:constr type="w" for="ch" forName="tx1" refType="w" fact="0.2"/>
+              <dgm:constr type="w" for="des" forName="tx2" refType="w" fact="0.785"/>
+              <dgm:constr type="w" for="des" forName="horzSpace2" refType="w" fact="0.015"/>
+              <dgm:constr type="w" for="des" forName="thinLine2b" refType="w" fact="0.8"/>
+            </dgm:constrLst>
+          </dgm:if>
+          <dgm:if name="Name10" axis="root des" func="maxDepth" op="equ" val="3">
+            <dgm:constrLst>
+              <dgm:constr type="w" for="ch" forName="tx1" refType="w" fact="0.2"/>
+              <dgm:constr type="w" for="des" forName="tx2" refType="w" fact="0.385"/>
+              <dgm:constr type="w" for="des" forName="tx3" refType="w" fact="0.385"/>
+              <dgm:constr type="w" for="des" forName="horzSpace2" refType="w" fact="0.015"/>
+              <dgm:constr type="w" for="des" forName="horzSpace3" refType="w" fact="0.015"/>
+              <dgm:constr type="w" for="des" forName="thinLine2b" refType="w" fact="0.8"/>
+              <dgm:constr type="w" for="des" forName="thinLine3" refType="w" fact="0.385"/>
+            </dgm:constrLst>
+          </dgm:if>
+          <dgm:if name="Name11" axis="root des" func="maxDepth" op="gte" val="4">
+            <dgm:constrLst>
+              <dgm:constr type="w" for="ch" forName="tx1" refType="w" fact="0.2"/>
+              <dgm:constr type="w" for="des" forName="tx2" refType="w" fact="0.2516"/>
+              <dgm:constr type="w" for="des" forName="tx3" refType="w" fact="0.2516"/>
+              <dgm:constr type="w" for="des" forName="tx4" refType="w" fact="0.2516"/>
+              <dgm:constr type="w" for="des" forName="horzSpace2" refType="w" fact="0.015"/>
+              <dgm:constr type="w" for="des" forName="horzSpace3" refType="w" fact="0.015"/>
+              <dgm:constr type="w" for="des" forName="horzSpace4" refType="w" fact="0.015"/>
+              <dgm:constr type="w" for="des" forName="thinLine2b" refType="w" fact="0.8"/>
+              <dgm:constr type="w" for="des" forName="thinLine3" refType="w" fact="0.5332"/>
+            </dgm:constrLst>
+          </dgm:if>
+          <dgm:else name="Name12"/>
+        </dgm:choose>
+        <dgm:layoutNode name="tx1" styleLbl="revTx">
+          <dgm:alg type="tx">
+            <dgm:param type="parTxLTRAlign" val="l"/>
+            <dgm:param type="parTxRTLAlign" val="r"/>
+            <dgm:param type="txAnchorVert" val="t"/>
+          </dgm:alg>
+          <dgm:shape xmlns:r="http://schemas.openxmlformats.org/officeDocument/2006/relationships" type="rect" r:blip="">
+            <dgm:adjLst/>
+          </dgm:shape>
+          <dgm:presOf axis="self"/>
+          <dgm:constrLst>
+            <dgm:constr type="tMarg" refType="primFontSz" fact="0.3"/>
+            <dgm:constr type="bMarg" refType="primFontSz" fact="0.3"/>
+            <dgm:constr type="lMarg" refType="primFontSz" fact="0.3"/>
+            <dgm:constr type="rMarg" refType="primFontSz" fact="0.3"/>
+          </dgm:constrLst>
+          <dgm:ruleLst>
+            <dgm:rule type="primFontSz" val="5" fact="NaN" max="NaN"/>
+          </dgm:ruleLst>
+        </dgm:layoutNode>
+        <dgm:layoutNode name="vert1">
+          <dgm:choose name="Name13">
+            <dgm:if name="Name14" func="var" arg="dir" op="equ" val="norm">
+              <dgm:alg type="lin">
+                <dgm:param type="linDir" val="fromT"/>
+                <dgm:param type="nodeHorzAlign" val="l"/>
+              </dgm:alg>
+            </dgm:if>
+            <dgm:else name="Name15">
+              <dgm:alg type="lin">
+                <dgm:param type="linDir" val="fromT"/>
+                <dgm:param type="nodeHorzAlign" val="r"/>
+              </dgm:alg>
+            </dgm:else>
+          </dgm:choose>
+          <dgm:shape xmlns:r="http://schemas.openxmlformats.org/officeDocument/2006/relationships" r:blip="">
+            <dgm:adjLst/>
+          </dgm:shape>
+          <dgm:presOf/>
+          <dgm:forEach name="Name16" axis="ch" ptType="node">
+            <dgm:choose name="Name17">
+              <dgm:if name="Name18" axis="self" ptType="node" func="pos" op="equ" val="1">
+                <dgm:layoutNode name="vertSpace2a">
+                  <dgm:alg type="sp"/>
+                  <dgm:shape xmlns:r="http://schemas.openxmlformats.org/officeDocument/2006/relationships" r:blip="">
+                    <dgm:adjLst/>
+                  </dgm:shape>
+                  <dgm:presOf/>
+                </dgm:layoutNode>
+              </dgm:if>
+              <dgm:else name="Name19"/>
+            </dgm:choose>
+            <dgm:layoutNode name="horz2">
+              <dgm:choose name="Name20">
+                <dgm:if name="Name21" func="var" arg="dir" op="equ" val="norm">
+                  <dgm:alg type="lin">
+                    <dgm:param type="linDir" val="fromL"/>
+                    <dgm:param type="nodeVertAlign" val="t"/>
+                  </dgm:alg>
+                </dgm:if>
+                <dgm:else name="Name22">
+                  <dgm:alg type="lin">
+                    <dgm:param type="linDir" val="fromR"/>
+                    <dgm:param type="nodeVertAlign" val="t"/>
+                  </dgm:alg>
+                </dgm:else>
+              </dgm:choose>
+              <dgm:shape xmlns:r="http://schemas.openxmlformats.org/officeDocument/2006/relationships" r:blip="">
+                <dgm:adjLst/>
+              </dgm:shape>
+              <dgm:presOf/>
+              <dgm:layoutNode name="horzSpace2">
+                <dgm:alg type="sp"/>
+                <dgm:shape xmlns:r="http://schemas.openxmlformats.org/officeDocument/2006/relationships" r:blip="">
+                  <dgm:adjLst/>
+                </dgm:shape>
+                <dgm:presOf/>
+              </dgm:layoutNode>
+              <dgm:layoutNode name="tx2" styleLbl="revTx">
+                <dgm:alg type="tx">
+                  <dgm:param type="parTxLTRAlign" val="l"/>
+                  <dgm:param type="parTxRTLAlign" val="r"/>
+                  <dgm:param type="txAnchorVert" val="t"/>
+                </dgm:alg>
+                <dgm:shape xmlns:r="http://schemas.openxmlformats.org/officeDocument/2006/relationships" type="rect" r:blip="">
+                  <dgm:adjLst/>
+                </dgm:shape>
+                <dgm:presOf axis="self"/>
+                <dgm:constrLst>
+                  <dgm:constr type="tMarg" refType="primFontSz" fact="0.3"/>
+                  <dgm:constr type="bMarg" refType="primFontSz" fact="0.3"/>
+                  <dgm:constr type="lMarg" refType="primFontSz" fact="0.3"/>
+                  <dgm:constr type="rMarg" refType="primFontSz" fact="0.3"/>
+                </dgm:constrLst>
+                <dgm:ruleLst>
+                  <dgm:rule type="primFontSz" val="5" fact="NaN" max="NaN"/>
+                </dgm:ruleLst>
+              </dgm:layoutNode>
+              <dgm:layoutNode name="vert2">
+                <dgm:choose name="Name23">
+                  <dgm:if name="Name24" func="var" arg="dir" op="equ" val="norm">
+                    <dgm:alg type="lin">
+                      <dgm:param type="linDir" val="fromT"/>
+                      <dgm:param type="nodeHorzAlign" val="l"/>
+                    </dgm:alg>
+                  </dgm:if>
+                  <dgm:else name="Name25">
+                    <dgm:alg type="lin">
+                      <dgm:param type="linDir" val="fromT"/>
+                      <dgm:param type="nodeHorzAlign" val="r"/>
+                    </dgm:alg>
+                  </dgm:else>
+                </dgm:choose>
+                <dgm:shape xmlns:r="http://schemas.openxmlformats.org/officeDocument/2006/relationships" r:blip="">
+                  <dgm:adjLst/>
+                </dgm:shape>
+                <dgm:presOf/>
+                <dgm:forEach name="Name26" axis="ch" ptType="node">
+                  <dgm:layoutNode name="horz3">
+                    <dgm:choose name="Name27">
+                      <dgm:if name="Name28" func="var" arg="dir" op="equ" val="norm">
+                        <dgm:alg type="lin">
+                          <dgm:param type="linDir" val="fromL"/>
+                          <dgm:param type="nodeVertAlign" val="t"/>
+                        </dgm:alg>
+                      </dgm:if>
+                      <dgm:else name="Name29">
+                        <dgm:alg type="lin">
+                          <dgm:param type="linDir" val="fromR"/>
+                          <dgm:param type="nodeVertAlign" val="t"/>
+                        </dgm:alg>
+                      </dgm:else>
+                    </dgm:choose>
+                    <dgm:shape xmlns:r="http://schemas.openxmlformats.org/officeDocument/2006/relationships" r:blip="">
+                      <dgm:adjLst/>
+                    </dgm:shape>
+                    <dgm:presOf/>
+                    <dgm:layoutNode name="horzSpace3">
+                      <dgm:alg type="sp"/>
+                      <dgm:shape xmlns:r="http://schemas.openxmlformats.org/officeDocument/2006/relationships" r:blip="">
+                        <dgm:adjLst/>
+                      </dgm:shape>
+                      <dgm:presOf/>
+                    </dgm:layoutNode>
+                    <dgm:layoutNode name="tx3" styleLbl="revTx">
+                      <dgm:alg type="tx">
+                        <dgm:param type="parTxLTRAlign" val="l"/>
+                        <dgm:param type="parTxRTLAlign" val="r"/>
+                        <dgm:param type="txAnchorVert" val="t"/>
+                      </dgm:alg>
+                      <dgm:shape xmlns:r="http://schemas.openxmlformats.org/officeDocument/2006/relationships" type="rect" r:blip="">
+                        <dgm:adjLst/>
+                      </dgm:shape>
+                      <dgm:presOf axis="self"/>
+                      <dgm:constrLst>
+                        <dgm:constr type="tMarg" refType="primFontSz" fact="0.3"/>
+                        <dgm:constr type="bMarg" refType="primFontSz" fact="0.3"/>
+                        <dgm:constr type="lMarg" refType="primFontSz" fact="0.3"/>
+                        <dgm:constr type="rMarg" refType="primFontSz" fact="0.3"/>
+                      </dgm:constrLst>
+                      <dgm:ruleLst>
+                        <dgm:rule type="primFontSz" val="5" fact="NaN" max="NaN"/>
+                      </dgm:ruleLst>
+                    </dgm:layoutNode>
+                    <dgm:layoutNode name="vert3">
+                      <dgm:choose name="Name30">
+                        <dgm:if name="Name31" func="var" arg="dir" op="equ" val="norm">
+                          <dgm:alg type="lin">
+                            <dgm:param type="linDir" val="fromT"/>
+                            <dgm:param type="nodeHorzAlign" val="l"/>
+                          </dgm:alg>
+                        </dgm:if>
+                        <dgm:else name="Name32">
+                          <dgm:alg type="lin">
+                            <dgm:param type="linDir" val="fromT"/>
+                            <dgm:param type="nodeHorzAlign" val="r"/>
+                          </dgm:alg>
+                        </dgm:else>
+                      </dgm:choose>
+                      <dgm:shape xmlns:r="http://schemas.openxmlformats.org/officeDocument/2006/relationships" r:blip="">
+                        <dgm:adjLst/>
+                      </dgm:shape>
+                      <dgm:presOf/>
+                      <dgm:forEach name="Name33" axis="ch" ptType="node">
+                        <dgm:layoutNode name="horz4">
+                          <dgm:choose name="Name34">
+                            <dgm:if name="Name35" func="var" arg="dir" op="equ" val="norm">
+                              <dgm:alg type="lin">
+                                <dgm:param type="linDir" val="fromL"/>
+                                <dgm:param type="nodeVertAlign" val="t"/>
+                              </dgm:alg>
+                            </dgm:if>
+                            <dgm:else name="Name36">
+                              <dgm:alg type="lin">
+                                <dgm:param type="linDir" val="fromR"/>
+                                <dgm:param type="nodeVertAlign" val="t"/>
+                              </dgm:alg>
+                            </dgm:else>
+                          </dgm:choose>
+                          <dgm:shape xmlns:r="http://schemas.openxmlformats.org/officeDocument/2006/relationships" r:blip="">
+                            <dgm:adjLst/>
+                          </dgm:shape>
+                          <dgm:presOf/>
+                          <dgm:layoutNode name="horzSpace4">
+                            <dgm:alg type="sp"/>
+                            <dgm:shape xmlns:r="http://schemas.openxmlformats.org/officeDocument/2006/relationships" r:blip="">
+                              <dgm:adjLst/>
+                            </dgm:shape>
+                            <dgm:presOf/>
+                          </dgm:layoutNode>
+                          <dgm:layoutNode name="tx4" styleLbl="revTx">
+                            <dgm:varLst>
+                              <dgm:bulletEnabled val="1"/>
+                            </dgm:varLst>
+                            <dgm:alg type="tx">
+                              <dgm:param type="parTxLTRAlign" val="l"/>
+                              <dgm:param type="parTxRTLAlign" val="r"/>
+                              <dgm:param type="txAnchorVert" val="t"/>
+                            </dgm:alg>
+                            <dgm:shape xmlns:r="http://schemas.openxmlformats.org/officeDocument/2006/relationships" type="rect" r:blip="">
+                              <dgm:adjLst/>
+                            </dgm:shape>
+                            <dgm:presOf axis="desOrSelf" ptType="node"/>
+                            <dgm:constrLst>
+                              <dgm:constr type="tMarg" refType="primFontSz" fact="0.3"/>
+                              <dgm:constr type="bMarg" refType="primFontSz" fact="0.3"/>
+                              <dgm:constr type="lMarg" refType="primFontSz" fact="0.3"/>
+                              <dgm:constr type="rMarg" refType="primFontSz" fact="0.3"/>
+                            </dgm:constrLst>
+                            <dgm:ruleLst>
+                              <dgm:rule type="primFontSz" val="5" fact="NaN" max="NaN"/>
+                            </dgm:ruleLst>
+                          </dgm:layoutNode>
+                        </dgm:layoutNode>
+                      </dgm:forEach>
+                    </dgm:layoutNode>
+                  </dgm:layoutNode>
+                  <dgm:forEach name="Name37" axis="followSib" ptType="sibTrans" cnt="1">
+                    <dgm:layoutNode name="thinLine3" styleLbl="callout">
+                      <dgm:alg type="sp"/>
+                      <dgm:shape xmlns:r="http://schemas.openxmlformats.org/officeDocument/2006/relationships" type="line" r:blip="">
+                        <dgm:adjLst/>
+                      </dgm:shape>
+                      <dgm:presOf/>
+                    </dgm:layoutNode>
+                  </dgm:forEach>
+                </dgm:forEach>
+              </dgm:layoutNode>
+            </dgm:layoutNode>
+            <dgm:layoutNode name="thinLine2b" styleLbl="callout">
+              <dgm:alg type="sp"/>
+              <dgm:shape xmlns:r="http://schemas.openxmlformats.org/officeDocument/2006/relationships" type="line" r:blip="">
+                <dgm:adjLst/>
+              </dgm:shape>
+              <dgm:presOf/>
+            </dgm:layoutNode>
+            <dgm:layoutNode name="vertSpace2b">
+              <dgm:alg type="sp"/>
+              <dgm:shape xmlns:r="http://schemas.openxmlformats.org/officeDocument/2006/relationships" r:blip="">
+                <dgm:adjLst/>
+              </dgm:shape>
+              <dgm:presOf/>
+            </dgm:layoutNode>
+          </dgm:forEach>
+        </dgm:layoutNode>
+      </dgm:layoutNode>
+    </dgm:forEach>
+  </dgm:layoutNode>
+</dgm:layoutDef>
+</file>
+
+<file path=ppt/diagrams/layout2.xml><?xml version="1.0" encoding="utf-8"?>
 <dgm:layoutDef xmlns:dgm="http://schemas.openxmlformats.org/drawingml/2006/diagram" xmlns:a="http://schemas.openxmlformats.org/drawingml/2006/main" uniqueId="urn:microsoft.com/office/officeart/2008/layout/LinedList">
   <dgm:title val=""/>
   <dgm:desc val=""/>
@@ -2814,6 +4794,1040 @@
 </dgm:styleDef>
 </file>
 
+<file path=ppt/diagrams/quickStyle2.xml><?xml version="1.0" encoding="utf-8"?>
+<dgm:styleDef xmlns:dgm="http://schemas.openxmlformats.org/drawingml/2006/diagram" xmlns:a="http://schemas.openxmlformats.org/drawingml/2006/main" uniqueId="urn:microsoft.com/office/officeart/2005/8/quickstyle/simple1">
+  <dgm:title val=""/>
+  <dgm:desc val=""/>
+  <dgm:catLst>
+    <dgm:cat type="simple" pri="10100"/>
+  </dgm:catLst>
+  <dgm:scene3d>
+    <a:camera prst="orthographicFront"/>
+    <a:lightRig rig="threePt" dir="t"/>
+  </dgm:scene3d>
+  <dgm:styleLbl name="node0">
+    <dgm:scene3d>
+      <a:camera prst="orthographicFront"/>
+      <a:lightRig rig="threePt" dir="t"/>
+    </dgm:scene3d>
+    <dgm:sp3d/>
+    <dgm:txPr/>
+    <dgm:style>
+      <a:lnRef idx="2">
+        <a:scrgbClr r="0" g="0" b="0"/>
+      </a:lnRef>
+      <a:fillRef idx="1">
+        <a:scrgbClr r="0" g="0" b="0"/>
+      </a:fillRef>
+      <a:effectRef idx="0">
+        <a:scrgbClr r="0" g="0" b="0"/>
+      </a:effectRef>
+      <a:fontRef idx="minor">
+        <a:schemeClr val="lt1"/>
+      </a:fontRef>
+    </dgm:style>
+  </dgm:styleLbl>
+  <dgm:styleLbl name="lnNode1">
+    <dgm:scene3d>
+      <a:camera prst="orthographicFront"/>
+      <a:lightRig rig="threePt" dir="t"/>
+    </dgm:scene3d>
+    <dgm:sp3d/>
+    <dgm:txPr/>
+    <dgm:style>
+      <a:lnRef idx="2">
+        <a:scrgbClr r="0" g="0" b="0"/>
+      </a:lnRef>
+      <a:fillRef idx="1">
+        <a:scrgbClr r="0" g="0" b="0"/>
+      </a:fillRef>
+      <a:effectRef idx="0">
+        <a:scrgbClr r="0" g="0" b="0"/>
+      </a:effectRef>
+      <a:fontRef idx="minor">
+        <a:schemeClr val="lt1"/>
+      </a:fontRef>
+    </dgm:style>
+  </dgm:styleLbl>
+  <dgm:styleLbl name="vennNode1">
+    <dgm:scene3d>
+      <a:camera prst="orthographicFront"/>
+      <a:lightRig rig="threePt" dir="t"/>
+    </dgm:scene3d>
+    <dgm:sp3d/>
+    <dgm:txPr/>
+    <dgm:style>
+      <a:lnRef idx="2">
+        <a:scrgbClr r="0" g="0" b="0"/>
+      </a:lnRef>
+      <a:fillRef idx="1">
+        <a:scrgbClr r="0" g="0" b="0"/>
+      </a:fillRef>
+      <a:effectRef idx="0">
+        <a:scrgbClr r="0" g="0" b="0"/>
+      </a:effectRef>
+      <a:fontRef idx="minor">
+        <a:schemeClr val="tx1"/>
+      </a:fontRef>
+    </dgm:style>
+  </dgm:styleLbl>
+  <dgm:styleLbl name="alignNode1">
+    <dgm:scene3d>
+      <a:camera prst="orthographicFront"/>
+      <a:lightRig rig="threePt" dir="t"/>
+    </dgm:scene3d>
+    <dgm:sp3d/>
+    <dgm:txPr/>
+    <dgm:style>
+      <a:lnRef idx="2">
+        <a:scrgbClr r="0" g="0" b="0"/>
+      </a:lnRef>
+      <a:fillRef idx="1">
+        <a:scrgbClr r="0" g="0" b="0"/>
+      </a:fillRef>
+      <a:effectRef idx="0">
+        <a:scrgbClr r="0" g="0" b="0"/>
+      </a:effectRef>
+      <a:fontRef idx="minor">
+        <a:schemeClr val="lt1"/>
+      </a:fontRef>
+    </dgm:style>
+  </dgm:styleLbl>
+  <dgm:styleLbl name="node1">
+    <dgm:scene3d>
+      <a:camera prst="orthographicFront"/>
+      <a:lightRig rig="threePt" dir="t"/>
+    </dgm:scene3d>
+    <dgm:sp3d/>
+    <dgm:txPr/>
+    <dgm:style>
+      <a:lnRef idx="2">
+        <a:scrgbClr r="0" g="0" b="0"/>
+      </a:lnRef>
+      <a:fillRef idx="1">
+        <a:scrgbClr r="0" g="0" b="0"/>
+      </a:fillRef>
+      <a:effectRef idx="0">
+        <a:scrgbClr r="0" g="0" b="0"/>
+      </a:effectRef>
+      <a:fontRef idx="minor">
+        <a:schemeClr val="lt1"/>
+      </a:fontRef>
+    </dgm:style>
+  </dgm:styleLbl>
+  <dgm:styleLbl name="node2">
+    <dgm:scene3d>
+      <a:camera prst="orthographicFront"/>
+      <a:lightRig rig="threePt" dir="t"/>
+    </dgm:scene3d>
+    <dgm:sp3d/>
+    <dgm:txPr/>
+    <dgm:style>
+      <a:lnRef idx="2">
+        <a:scrgbClr r="0" g="0" b="0"/>
+      </a:lnRef>
+      <a:fillRef idx="1">
+        <a:scrgbClr r="0" g="0" b="0"/>
+      </a:fillRef>
+      <a:effectRef idx="0">
+        <a:scrgbClr r="0" g="0" b="0"/>
+      </a:effectRef>
+      <a:fontRef idx="minor">
+        <a:schemeClr val="lt1"/>
+      </a:fontRef>
+    </dgm:style>
+  </dgm:styleLbl>
+  <dgm:styleLbl name="node3">
+    <dgm:scene3d>
+      <a:camera prst="orthographicFront"/>
+      <a:lightRig rig="threePt" dir="t"/>
+    </dgm:scene3d>
+    <dgm:sp3d/>
+    <dgm:txPr/>
+    <dgm:style>
+      <a:lnRef idx="2">
+        <a:scrgbClr r="0" g="0" b="0"/>
+      </a:lnRef>
+      <a:fillRef idx="1">
+        <a:scrgbClr r="0" g="0" b="0"/>
+      </a:fillRef>
+      <a:effectRef idx="0">
+        <a:scrgbClr r="0" g="0" b="0"/>
+      </a:effectRef>
+      <a:fontRef idx="minor">
+        <a:schemeClr val="lt1"/>
+      </a:fontRef>
+    </dgm:style>
+  </dgm:styleLbl>
+  <dgm:styleLbl name="node4">
+    <dgm:scene3d>
+      <a:camera prst="orthographicFront"/>
+      <a:lightRig rig="threePt" dir="t"/>
+    </dgm:scene3d>
+    <dgm:sp3d/>
+    <dgm:txPr/>
+    <dgm:style>
+      <a:lnRef idx="2">
+        <a:scrgbClr r="0" g="0" b="0"/>
+      </a:lnRef>
+      <a:fillRef idx="1">
+        <a:scrgbClr r="0" g="0" b="0"/>
+      </a:fillRef>
+      <a:effectRef idx="0">
+        <a:scrgbClr r="0" g="0" b="0"/>
+      </a:effectRef>
+      <a:fontRef idx="minor">
+        <a:schemeClr val="lt1"/>
+      </a:fontRef>
+    </dgm:style>
+  </dgm:styleLbl>
+  <dgm:styleLbl name="fgImgPlace1">
+    <dgm:scene3d>
+      <a:camera prst="orthographicFront"/>
+      <a:lightRig rig="threePt" dir="t"/>
+    </dgm:scene3d>
+    <dgm:sp3d/>
+    <dgm:txPr/>
+    <dgm:style>
+      <a:lnRef idx="2">
+        <a:scrgbClr r="0" g="0" b="0"/>
+      </a:lnRef>
+      <a:fillRef idx="1">
+        <a:scrgbClr r="0" g="0" b="0"/>
+      </a:fillRef>
+      <a:effectRef idx="0">
+        <a:scrgbClr r="0" g="0" b="0"/>
+      </a:effectRef>
+      <a:fontRef idx="minor"/>
+    </dgm:style>
+  </dgm:styleLbl>
+  <dgm:styleLbl name="alignImgPlace1">
+    <dgm:scene3d>
+      <a:camera prst="orthographicFront"/>
+      <a:lightRig rig="threePt" dir="t"/>
+    </dgm:scene3d>
+    <dgm:sp3d/>
+    <dgm:txPr/>
+    <dgm:style>
+      <a:lnRef idx="2">
+        <a:scrgbClr r="0" g="0" b="0"/>
+      </a:lnRef>
+      <a:fillRef idx="1">
+        <a:scrgbClr r="0" g="0" b="0"/>
+      </a:fillRef>
+      <a:effectRef idx="0">
+        <a:scrgbClr r="0" g="0" b="0"/>
+      </a:effectRef>
+      <a:fontRef idx="minor"/>
+    </dgm:style>
+  </dgm:styleLbl>
+  <dgm:styleLbl name="bgImgPlace1">
+    <dgm:scene3d>
+      <a:camera prst="orthographicFront"/>
+      <a:lightRig rig="threePt" dir="t"/>
+    </dgm:scene3d>
+    <dgm:sp3d/>
+    <dgm:txPr/>
+    <dgm:style>
+      <a:lnRef idx="2">
+        <a:scrgbClr r="0" g="0" b="0"/>
+      </a:lnRef>
+      <a:fillRef idx="1">
+        <a:scrgbClr r="0" g="0" b="0"/>
+      </a:fillRef>
+      <a:effectRef idx="0">
+        <a:scrgbClr r="0" g="0" b="0"/>
+      </a:effectRef>
+      <a:fontRef idx="minor"/>
+    </dgm:style>
+  </dgm:styleLbl>
+  <dgm:styleLbl name="sibTrans2D1">
+    <dgm:scene3d>
+      <a:camera prst="orthographicFront"/>
+      <a:lightRig rig="threePt" dir="t"/>
+    </dgm:scene3d>
+    <dgm:sp3d/>
+    <dgm:txPr/>
+    <dgm:style>
+      <a:lnRef idx="0">
+        <a:scrgbClr r="0" g="0" b="0"/>
+      </a:lnRef>
+      <a:fillRef idx="1">
+        <a:scrgbClr r="0" g="0" b="0"/>
+      </a:fillRef>
+      <a:effectRef idx="0">
+        <a:scrgbClr r="0" g="0" b="0"/>
+      </a:effectRef>
+      <a:fontRef idx="minor">
+        <a:schemeClr val="lt1"/>
+      </a:fontRef>
+    </dgm:style>
+  </dgm:styleLbl>
+  <dgm:styleLbl name="fgSibTrans2D1">
+    <dgm:scene3d>
+      <a:camera prst="orthographicFront"/>
+      <a:lightRig rig="threePt" dir="t"/>
+    </dgm:scene3d>
+    <dgm:sp3d/>
+    <dgm:txPr/>
+    <dgm:style>
+      <a:lnRef idx="0">
+        <a:scrgbClr r="0" g="0" b="0"/>
+      </a:lnRef>
+      <a:fillRef idx="1">
+        <a:scrgbClr r="0" g="0" b="0"/>
+      </a:fillRef>
+      <a:effectRef idx="0">
+        <a:scrgbClr r="0" g="0" b="0"/>
+      </a:effectRef>
+      <a:fontRef idx="minor">
+        <a:schemeClr val="lt1"/>
+      </a:fontRef>
+    </dgm:style>
+  </dgm:styleLbl>
+  <dgm:styleLbl name="bgSibTrans2D1">
+    <dgm:scene3d>
+      <a:camera prst="orthographicFront"/>
+      <a:lightRig rig="threePt" dir="t"/>
+    </dgm:scene3d>
+    <dgm:sp3d/>
+    <dgm:txPr/>
+    <dgm:style>
+      <a:lnRef idx="0">
+        <a:scrgbClr r="0" g="0" b="0"/>
+      </a:lnRef>
+      <a:fillRef idx="1">
+        <a:scrgbClr r="0" g="0" b="0"/>
+      </a:fillRef>
+      <a:effectRef idx="0">
+        <a:scrgbClr r="0" g="0" b="0"/>
+      </a:effectRef>
+      <a:fontRef idx="minor">
+        <a:schemeClr val="lt1"/>
+      </a:fontRef>
+    </dgm:style>
+  </dgm:styleLbl>
+  <dgm:styleLbl name="sibTrans1D1">
+    <dgm:scene3d>
+      <a:camera prst="orthographicFront"/>
+      <a:lightRig rig="threePt" dir="t"/>
+    </dgm:scene3d>
+    <dgm:sp3d/>
+    <dgm:txPr/>
+    <dgm:style>
+      <a:lnRef idx="1">
+        <a:scrgbClr r="0" g="0" b="0"/>
+      </a:lnRef>
+      <a:fillRef idx="0">
+        <a:scrgbClr r="0" g="0" b="0"/>
+      </a:fillRef>
+      <a:effectRef idx="0">
+        <a:scrgbClr r="0" g="0" b="0"/>
+      </a:effectRef>
+      <a:fontRef idx="minor"/>
+    </dgm:style>
+  </dgm:styleLbl>
+  <dgm:styleLbl name="callout">
+    <dgm:scene3d>
+      <a:camera prst="orthographicFront"/>
+      <a:lightRig rig="threePt" dir="t"/>
+    </dgm:scene3d>
+    <dgm:sp3d/>
+    <dgm:txPr/>
+    <dgm:style>
+      <a:lnRef idx="2">
+        <a:scrgbClr r="0" g="0" b="0"/>
+      </a:lnRef>
+      <a:fillRef idx="1">
+        <a:scrgbClr r="0" g="0" b="0"/>
+      </a:fillRef>
+      <a:effectRef idx="0">
+        <a:scrgbClr r="0" g="0" b="0"/>
+      </a:effectRef>
+      <a:fontRef idx="minor"/>
+    </dgm:style>
+  </dgm:styleLbl>
+  <dgm:styleLbl name="asst0">
+    <dgm:scene3d>
+      <a:camera prst="orthographicFront"/>
+      <a:lightRig rig="threePt" dir="t"/>
+    </dgm:scene3d>
+    <dgm:sp3d/>
+    <dgm:txPr/>
+    <dgm:style>
+      <a:lnRef idx="2">
+        <a:scrgbClr r="0" g="0" b="0"/>
+      </a:lnRef>
+      <a:fillRef idx="1">
+        <a:scrgbClr r="0" g="0" b="0"/>
+      </a:fillRef>
+      <a:effectRef idx="0">
+        <a:scrgbClr r="0" g="0" b="0"/>
+      </a:effectRef>
+      <a:fontRef idx="minor">
+        <a:schemeClr val="lt1"/>
+      </a:fontRef>
+    </dgm:style>
+  </dgm:styleLbl>
+  <dgm:styleLbl name="asst1">
+    <dgm:scene3d>
+      <a:camera prst="orthographicFront"/>
+      <a:lightRig rig="threePt" dir="t"/>
+    </dgm:scene3d>
+    <dgm:sp3d/>
+    <dgm:txPr/>
+    <dgm:style>
+      <a:lnRef idx="2">
+        <a:scrgbClr r="0" g="0" b="0"/>
+      </a:lnRef>
+      <a:fillRef idx="1">
+        <a:scrgbClr r="0" g="0" b="0"/>
+      </a:fillRef>
+      <a:effectRef idx="0">
+        <a:scrgbClr r="0" g="0" b="0"/>
+      </a:effectRef>
+      <a:fontRef idx="minor">
+        <a:schemeClr val="lt1"/>
+      </a:fontRef>
+    </dgm:style>
+  </dgm:styleLbl>
+  <dgm:styleLbl name="asst2">
+    <dgm:scene3d>
+      <a:camera prst="orthographicFront"/>
+      <a:lightRig rig="threePt" dir="t"/>
+    </dgm:scene3d>
+    <dgm:sp3d/>
+    <dgm:txPr/>
+    <dgm:style>
+      <a:lnRef idx="2">
+        <a:scrgbClr r="0" g="0" b="0"/>
+      </a:lnRef>
+      <a:fillRef idx="1">
+        <a:scrgbClr r="0" g="0" b="0"/>
+      </a:fillRef>
+      <a:effectRef idx="0">
+        <a:scrgbClr r="0" g="0" b="0"/>
+      </a:effectRef>
+      <a:fontRef idx="minor">
+        <a:schemeClr val="lt1"/>
+      </a:fontRef>
+    </dgm:style>
+  </dgm:styleLbl>
+  <dgm:styleLbl name="asst3">
+    <dgm:scene3d>
+      <a:camera prst="orthographicFront"/>
+      <a:lightRig rig="threePt" dir="t"/>
+    </dgm:scene3d>
+    <dgm:sp3d/>
+    <dgm:txPr/>
+    <dgm:style>
+      <a:lnRef idx="2">
+        <a:scrgbClr r="0" g="0" b="0"/>
+      </a:lnRef>
+      <a:fillRef idx="1">
+        <a:scrgbClr r="0" g="0" b="0"/>
+      </a:fillRef>
+      <a:effectRef idx="0">
+        <a:scrgbClr r="0" g="0" b="0"/>
+      </a:effectRef>
+      <a:fontRef idx="minor">
+        <a:schemeClr val="lt1"/>
+      </a:fontRef>
+    </dgm:style>
+  </dgm:styleLbl>
+  <dgm:styleLbl name="asst4">
+    <dgm:scene3d>
+      <a:camera prst="orthographicFront"/>
+      <a:lightRig rig="threePt" dir="t"/>
+    </dgm:scene3d>
+    <dgm:sp3d/>
+    <dgm:txPr/>
+    <dgm:style>
+      <a:lnRef idx="2">
+        <a:scrgbClr r="0" g="0" b="0"/>
+      </a:lnRef>
+      <a:fillRef idx="1">
+        <a:scrgbClr r="0" g="0" b="0"/>
+      </a:fillRef>
+      <a:effectRef idx="0">
+        <a:scrgbClr r="0" g="0" b="0"/>
+      </a:effectRef>
+      <a:fontRef idx="minor">
+        <a:schemeClr val="lt1"/>
+      </a:fontRef>
+    </dgm:style>
+  </dgm:styleLbl>
+  <dgm:styleLbl name="parChTrans2D1">
+    <dgm:scene3d>
+      <a:camera prst="orthographicFront"/>
+      <a:lightRig rig="threePt" dir="t"/>
+    </dgm:scene3d>
+    <dgm:sp3d/>
+    <dgm:txPr/>
+    <dgm:style>
+      <a:lnRef idx="2">
+        <a:scrgbClr r="0" g="0" b="0"/>
+      </a:lnRef>
+      <a:fillRef idx="1">
+        <a:scrgbClr r="0" g="0" b="0"/>
+      </a:fillRef>
+      <a:effectRef idx="0">
+        <a:scrgbClr r="0" g="0" b="0"/>
+      </a:effectRef>
+      <a:fontRef idx="minor">
+        <a:schemeClr val="lt1"/>
+      </a:fontRef>
+    </dgm:style>
+  </dgm:styleLbl>
+  <dgm:styleLbl name="parChTrans2D2">
+    <dgm:scene3d>
+      <a:camera prst="orthographicFront"/>
+      <a:lightRig rig="threePt" dir="t"/>
+    </dgm:scene3d>
+    <dgm:sp3d/>
+    <dgm:txPr/>
+    <dgm:style>
+      <a:lnRef idx="2">
+        <a:scrgbClr r="0" g="0" b="0"/>
+      </a:lnRef>
+      <a:fillRef idx="1">
+        <a:scrgbClr r="0" g="0" b="0"/>
+      </a:fillRef>
+      <a:effectRef idx="0">
+        <a:scrgbClr r="0" g="0" b="0"/>
+      </a:effectRef>
+      <a:fontRef idx="minor">
+        <a:schemeClr val="lt1"/>
+      </a:fontRef>
+    </dgm:style>
+  </dgm:styleLbl>
+  <dgm:styleLbl name="parChTrans2D3">
+    <dgm:scene3d>
+      <a:camera prst="orthographicFront"/>
+      <a:lightRig rig="threePt" dir="t"/>
+    </dgm:scene3d>
+    <dgm:sp3d/>
+    <dgm:txPr/>
+    <dgm:style>
+      <a:lnRef idx="2">
+        <a:scrgbClr r="0" g="0" b="0"/>
+      </a:lnRef>
+      <a:fillRef idx="1">
+        <a:scrgbClr r="0" g="0" b="0"/>
+      </a:fillRef>
+      <a:effectRef idx="0">
+        <a:scrgbClr r="0" g="0" b="0"/>
+      </a:effectRef>
+      <a:fontRef idx="minor">
+        <a:schemeClr val="lt1"/>
+      </a:fontRef>
+    </dgm:style>
+  </dgm:styleLbl>
+  <dgm:styleLbl name="parChTrans2D4">
+    <dgm:scene3d>
+      <a:camera prst="orthographicFront"/>
+      <a:lightRig rig="threePt" dir="t"/>
+    </dgm:scene3d>
+    <dgm:sp3d/>
+    <dgm:txPr/>
+    <dgm:style>
+      <a:lnRef idx="2">
+        <a:scrgbClr r="0" g="0" b="0"/>
+      </a:lnRef>
+      <a:fillRef idx="1">
+        <a:scrgbClr r="0" g="0" b="0"/>
+      </a:fillRef>
+      <a:effectRef idx="0">
+        <a:scrgbClr r="0" g="0" b="0"/>
+      </a:effectRef>
+      <a:fontRef idx="minor">
+        <a:schemeClr val="lt1"/>
+      </a:fontRef>
+    </dgm:style>
+  </dgm:styleLbl>
+  <dgm:styleLbl name="parChTrans1D1">
+    <dgm:scene3d>
+      <a:camera prst="orthographicFront"/>
+      <a:lightRig rig="threePt" dir="t"/>
+    </dgm:scene3d>
+    <dgm:sp3d/>
+    <dgm:txPr/>
+    <dgm:style>
+      <a:lnRef idx="2">
+        <a:scrgbClr r="0" g="0" b="0"/>
+      </a:lnRef>
+      <a:fillRef idx="0">
+        <a:scrgbClr r="0" g="0" b="0"/>
+      </a:fillRef>
+      <a:effectRef idx="0">
+        <a:scrgbClr r="0" g="0" b="0"/>
+      </a:effectRef>
+      <a:fontRef idx="minor"/>
+    </dgm:style>
+  </dgm:styleLbl>
+  <dgm:styleLbl name="parChTrans1D2">
+    <dgm:scene3d>
+      <a:camera prst="orthographicFront"/>
+      <a:lightRig rig="threePt" dir="t"/>
+    </dgm:scene3d>
+    <dgm:sp3d/>
+    <dgm:txPr/>
+    <dgm:style>
+      <a:lnRef idx="2">
+        <a:scrgbClr r="0" g="0" b="0"/>
+      </a:lnRef>
+      <a:fillRef idx="0">
+        <a:scrgbClr r="0" g="0" b="0"/>
+      </a:fillRef>
+      <a:effectRef idx="0">
+        <a:scrgbClr r="0" g="0" b="0"/>
+      </a:effectRef>
+      <a:fontRef idx="minor"/>
+    </dgm:style>
+  </dgm:styleLbl>
+  <dgm:styleLbl name="parChTrans1D3">
+    <dgm:scene3d>
+      <a:camera prst="orthographicFront"/>
+      <a:lightRig rig="threePt" dir="t"/>
+    </dgm:scene3d>
+    <dgm:sp3d/>
+    <dgm:txPr/>
+    <dgm:style>
+      <a:lnRef idx="2">
+        <a:scrgbClr r="0" g="0" b="0"/>
+      </a:lnRef>
+      <a:fillRef idx="0">
+        <a:scrgbClr r="0" g="0" b="0"/>
+      </a:fillRef>
+      <a:effectRef idx="0">
+        <a:scrgbClr r="0" g="0" b="0"/>
+      </a:effectRef>
+      <a:fontRef idx="minor"/>
+    </dgm:style>
+  </dgm:styleLbl>
+  <dgm:styleLbl name="parChTrans1D4">
+    <dgm:scene3d>
+      <a:camera prst="orthographicFront"/>
+      <a:lightRig rig="threePt" dir="t"/>
+    </dgm:scene3d>
+    <dgm:sp3d/>
+    <dgm:txPr/>
+    <dgm:style>
+      <a:lnRef idx="2">
+        <a:scrgbClr r="0" g="0" b="0"/>
+      </a:lnRef>
+      <a:fillRef idx="0">
+        <a:scrgbClr r="0" g="0" b="0"/>
+      </a:fillRef>
+      <a:effectRef idx="0">
+        <a:scrgbClr r="0" g="0" b="0"/>
+      </a:effectRef>
+      <a:fontRef idx="minor"/>
+    </dgm:style>
+  </dgm:styleLbl>
+  <dgm:styleLbl name="fgAcc1">
+    <dgm:scene3d>
+      <a:camera prst="orthographicFront"/>
+      <a:lightRig rig="threePt" dir="t"/>
+    </dgm:scene3d>
+    <dgm:sp3d/>
+    <dgm:txPr/>
+    <dgm:style>
+      <a:lnRef idx="2">
+        <a:scrgbClr r="0" g="0" b="0"/>
+      </a:lnRef>
+      <a:fillRef idx="1">
+        <a:scrgbClr r="0" g="0" b="0"/>
+      </a:fillRef>
+      <a:effectRef idx="0">
+        <a:scrgbClr r="0" g="0" b="0"/>
+      </a:effectRef>
+      <a:fontRef idx="minor"/>
+    </dgm:style>
+  </dgm:styleLbl>
+  <dgm:styleLbl name="conFgAcc1">
+    <dgm:scene3d>
+      <a:camera prst="orthographicFront"/>
+      <a:lightRig rig="threePt" dir="t"/>
+    </dgm:scene3d>
+    <dgm:sp3d/>
+    <dgm:txPr/>
+    <dgm:style>
+      <a:lnRef idx="2">
+        <a:scrgbClr r="0" g="0" b="0"/>
+      </a:lnRef>
+      <a:fillRef idx="1">
+        <a:scrgbClr r="0" g="0" b="0"/>
+      </a:fillRef>
+      <a:effectRef idx="0">
+        <a:scrgbClr r="0" g="0" b="0"/>
+      </a:effectRef>
+      <a:fontRef idx="minor"/>
+    </dgm:style>
+  </dgm:styleLbl>
+  <dgm:styleLbl name="alignAcc1">
+    <dgm:scene3d>
+      <a:camera prst="orthographicFront"/>
+      <a:lightRig rig="threePt" dir="t"/>
+    </dgm:scene3d>
+    <dgm:sp3d/>
+    <dgm:txPr/>
+    <dgm:style>
+      <a:lnRef idx="2">
+        <a:scrgbClr r="0" g="0" b="0"/>
+      </a:lnRef>
+      <a:fillRef idx="1">
+        <a:scrgbClr r="0" g="0" b="0"/>
+      </a:fillRef>
+      <a:effectRef idx="0">
+        <a:scrgbClr r="0" g="0" b="0"/>
+      </a:effectRef>
+      <a:fontRef idx="minor"/>
+    </dgm:style>
+  </dgm:styleLbl>
+  <dgm:styleLbl name="trAlignAcc1">
+    <dgm:scene3d>
+      <a:camera prst="orthographicFront"/>
+      <a:lightRig rig="threePt" dir="t"/>
+    </dgm:scene3d>
+    <dgm:sp3d/>
+    <dgm:txPr/>
+    <dgm:style>
+      <a:lnRef idx="1">
+        <a:scrgbClr r="0" g="0" b="0"/>
+      </a:lnRef>
+      <a:fillRef idx="1">
+        <a:scrgbClr r="0" g="0" b="0"/>
+      </a:fillRef>
+      <a:effectRef idx="0">
+        <a:scrgbClr r="0" g="0" b="0"/>
+      </a:effectRef>
+      <a:fontRef idx="minor"/>
+    </dgm:style>
+  </dgm:styleLbl>
+  <dgm:styleLbl name="bgAcc1">
+    <dgm:scene3d>
+      <a:camera prst="orthographicFront"/>
+      <a:lightRig rig="threePt" dir="t"/>
+    </dgm:scene3d>
+    <dgm:sp3d/>
+    <dgm:txPr/>
+    <dgm:style>
+      <a:lnRef idx="2">
+        <a:scrgbClr r="0" g="0" b="0"/>
+      </a:lnRef>
+      <a:fillRef idx="1">
+        <a:scrgbClr r="0" g="0" b="0"/>
+      </a:fillRef>
+      <a:effectRef idx="0">
+        <a:scrgbClr r="0" g="0" b="0"/>
+      </a:effectRef>
+      <a:fontRef idx="minor"/>
+    </dgm:style>
+  </dgm:styleLbl>
+  <dgm:styleLbl name="solidFgAcc1">
+    <dgm:scene3d>
+      <a:camera prst="orthographicFront"/>
+      <a:lightRig rig="threePt" dir="t"/>
+    </dgm:scene3d>
+    <dgm:sp3d/>
+    <dgm:txPr/>
+    <dgm:style>
+      <a:lnRef idx="2">
+        <a:scrgbClr r="0" g="0" b="0"/>
+      </a:lnRef>
+      <a:fillRef idx="1">
+        <a:scrgbClr r="0" g="0" b="0"/>
+      </a:fillRef>
+      <a:effectRef idx="0">
+        <a:scrgbClr r="0" g="0" b="0"/>
+      </a:effectRef>
+      <a:fontRef idx="minor"/>
+    </dgm:style>
+  </dgm:styleLbl>
+  <dgm:styleLbl name="solidAlignAcc1">
+    <dgm:scene3d>
+      <a:camera prst="orthographicFront"/>
+      <a:lightRig rig="threePt" dir="t"/>
+    </dgm:scene3d>
+    <dgm:sp3d/>
+    <dgm:txPr/>
+    <dgm:style>
+      <a:lnRef idx="2">
+        <a:scrgbClr r="0" g="0" b="0"/>
+      </a:lnRef>
+      <a:fillRef idx="1">
+        <a:scrgbClr r="0" g="0" b="0"/>
+      </a:fillRef>
+      <a:effectRef idx="0">
+        <a:scrgbClr r="0" g="0" b="0"/>
+      </a:effectRef>
+      <a:fontRef idx="minor"/>
+    </dgm:style>
+  </dgm:styleLbl>
+  <dgm:styleLbl name="solidBgAcc1">
+    <dgm:scene3d>
+      <a:camera prst="orthographicFront"/>
+      <a:lightRig rig="threePt" dir="t"/>
+    </dgm:scene3d>
+    <dgm:sp3d/>
+    <dgm:txPr/>
+    <dgm:style>
+      <a:lnRef idx="2">
+        <a:scrgbClr r="0" g="0" b="0"/>
+      </a:lnRef>
+      <a:fillRef idx="1">
+        <a:scrgbClr r="0" g="0" b="0"/>
+      </a:fillRef>
+      <a:effectRef idx="0">
+        <a:scrgbClr r="0" g="0" b="0"/>
+      </a:effectRef>
+      <a:fontRef idx="minor"/>
+    </dgm:style>
+  </dgm:styleLbl>
+  <dgm:styleLbl name="fgAccFollowNode1">
+    <dgm:scene3d>
+      <a:camera prst="orthographicFront"/>
+      <a:lightRig rig="threePt" dir="t"/>
+    </dgm:scene3d>
+    <dgm:sp3d/>
+    <dgm:txPr/>
+    <dgm:style>
+      <a:lnRef idx="2">
+        <a:scrgbClr r="0" g="0" b="0"/>
+      </a:lnRef>
+      <a:fillRef idx="1">
+        <a:scrgbClr r="0" g="0" b="0"/>
+      </a:fillRef>
+      <a:effectRef idx="0">
+        <a:scrgbClr r="0" g="0" b="0"/>
+      </a:effectRef>
+      <a:fontRef idx="minor"/>
+    </dgm:style>
+  </dgm:styleLbl>
+  <dgm:styleLbl name="alignAccFollowNode1">
+    <dgm:scene3d>
+      <a:camera prst="orthographicFront"/>
+      <a:lightRig rig="threePt" dir="t"/>
+    </dgm:scene3d>
+    <dgm:sp3d/>
+    <dgm:txPr/>
+    <dgm:style>
+      <a:lnRef idx="2">
+        <a:scrgbClr r="0" g="0" b="0"/>
+      </a:lnRef>
+      <a:fillRef idx="1">
+        <a:scrgbClr r="0" g="0" b="0"/>
+      </a:fillRef>
+      <a:effectRef idx="0">
+        <a:scrgbClr r="0" g="0" b="0"/>
+      </a:effectRef>
+      <a:fontRef idx="minor"/>
+    </dgm:style>
+  </dgm:styleLbl>
+  <dgm:styleLbl name="bgAccFollowNode1">
+    <dgm:scene3d>
+      <a:camera prst="orthographicFront"/>
+      <a:lightRig rig="threePt" dir="t"/>
+    </dgm:scene3d>
+    <dgm:sp3d/>
+    <dgm:txPr/>
+    <dgm:style>
+      <a:lnRef idx="2">
+        <a:scrgbClr r="0" g="0" b="0"/>
+      </a:lnRef>
+      <a:fillRef idx="1">
+        <a:scrgbClr r="0" g="0" b="0"/>
+      </a:fillRef>
+      <a:effectRef idx="0">
+        <a:scrgbClr r="0" g="0" b="0"/>
+      </a:effectRef>
+      <a:fontRef idx="minor"/>
+    </dgm:style>
+  </dgm:styleLbl>
+  <dgm:styleLbl name="fgAcc0">
+    <dgm:scene3d>
+      <a:camera prst="orthographicFront"/>
+      <a:lightRig rig="threePt" dir="t"/>
+    </dgm:scene3d>
+    <dgm:sp3d/>
+    <dgm:txPr/>
+    <dgm:style>
+      <a:lnRef idx="2">
+        <a:scrgbClr r="0" g="0" b="0"/>
+      </a:lnRef>
+      <a:fillRef idx="1">
+        <a:scrgbClr r="0" g="0" b="0"/>
+      </a:fillRef>
+      <a:effectRef idx="0">
+        <a:scrgbClr r="0" g="0" b="0"/>
+      </a:effectRef>
+      <a:fontRef idx="minor"/>
+    </dgm:style>
+  </dgm:styleLbl>
+  <dgm:styleLbl name="fgAcc2">
+    <dgm:scene3d>
+      <a:camera prst="orthographicFront"/>
+      <a:lightRig rig="threePt" dir="t"/>
+    </dgm:scene3d>
+    <dgm:sp3d/>
+    <dgm:txPr/>
+    <dgm:style>
+      <a:lnRef idx="2">
+        <a:scrgbClr r="0" g="0" b="0"/>
+      </a:lnRef>
+      <a:fillRef idx="1">
+        <a:scrgbClr r="0" g="0" b="0"/>
+      </a:fillRef>
+      <a:effectRef idx="0">
+        <a:scrgbClr r="0" g="0" b="0"/>
+      </a:effectRef>
+      <a:fontRef idx="minor"/>
+    </dgm:style>
+  </dgm:styleLbl>
+  <dgm:styleLbl name="fgAcc3">
+    <dgm:scene3d>
+      <a:camera prst="orthographicFront"/>
+      <a:lightRig rig="threePt" dir="t"/>
+    </dgm:scene3d>
+    <dgm:sp3d/>
+    <dgm:txPr/>
+    <dgm:style>
+      <a:lnRef idx="2">
+        <a:scrgbClr r="0" g="0" b="0"/>
+      </a:lnRef>
+      <a:fillRef idx="1">
+        <a:scrgbClr r="0" g="0" b="0"/>
+      </a:fillRef>
+      <a:effectRef idx="0">
+        <a:scrgbClr r="0" g="0" b="0"/>
+      </a:effectRef>
+      <a:fontRef idx="minor"/>
+    </dgm:style>
+  </dgm:styleLbl>
+  <dgm:styleLbl name="fgAcc4">
+    <dgm:scene3d>
+      <a:camera prst="orthographicFront"/>
+      <a:lightRig rig="threePt" dir="t"/>
+    </dgm:scene3d>
+    <dgm:sp3d/>
+    <dgm:txPr/>
+    <dgm:style>
+      <a:lnRef idx="2">
+        <a:scrgbClr r="0" g="0" b="0"/>
+      </a:lnRef>
+      <a:fillRef idx="1">
+        <a:scrgbClr r="0" g="0" b="0"/>
+      </a:fillRef>
+      <a:effectRef idx="0">
+        <a:scrgbClr r="0" g="0" b="0"/>
+      </a:effectRef>
+      <a:fontRef idx="minor"/>
+    </dgm:style>
+  </dgm:styleLbl>
+  <dgm:styleLbl name="bgShp">
+    <dgm:scene3d>
+      <a:camera prst="orthographicFront"/>
+      <a:lightRig rig="threePt" dir="t"/>
+    </dgm:scene3d>
+    <dgm:sp3d/>
+    <dgm:txPr/>
+    <dgm:style>
+      <a:lnRef idx="0">
+        <a:scrgbClr r="0" g="0" b="0"/>
+      </a:lnRef>
+      <a:fillRef idx="1">
+        <a:scrgbClr r="0" g="0" b="0"/>
+      </a:fillRef>
+      <a:effectRef idx="0">
+        <a:scrgbClr r="0" g="0" b="0"/>
+      </a:effectRef>
+      <a:fontRef idx="minor"/>
+    </dgm:style>
+  </dgm:styleLbl>
+  <dgm:styleLbl name="dkBgShp">
+    <dgm:scene3d>
+      <a:camera prst="orthographicFront"/>
+      <a:lightRig rig="threePt" dir="t"/>
+    </dgm:scene3d>
+    <dgm:sp3d/>
+    <dgm:txPr/>
+    <dgm:style>
+      <a:lnRef idx="0">
+        <a:scrgbClr r="0" g="0" b="0"/>
+      </a:lnRef>
+      <a:fillRef idx="1">
+        <a:scrgbClr r="0" g="0" b="0"/>
+      </a:fillRef>
+      <a:effectRef idx="0">
+        <a:scrgbClr r="0" g="0" b="0"/>
+      </a:effectRef>
+      <a:fontRef idx="minor"/>
+    </dgm:style>
+  </dgm:styleLbl>
+  <dgm:styleLbl name="trBgShp">
+    <dgm:scene3d>
+      <a:camera prst="orthographicFront"/>
+      <a:lightRig rig="threePt" dir="t"/>
+    </dgm:scene3d>
+    <dgm:sp3d/>
+    <dgm:txPr/>
+    <dgm:style>
+      <a:lnRef idx="0">
+        <a:scrgbClr r="0" g="0" b="0"/>
+      </a:lnRef>
+      <a:fillRef idx="1">
+        <a:scrgbClr r="0" g="0" b="0"/>
+      </a:fillRef>
+      <a:effectRef idx="0">
+        <a:scrgbClr r="0" g="0" b="0"/>
+      </a:effectRef>
+      <a:fontRef idx="minor"/>
+    </dgm:style>
+  </dgm:styleLbl>
+  <dgm:styleLbl name="fgShp">
+    <dgm:scene3d>
+      <a:camera prst="orthographicFront"/>
+      <a:lightRig rig="threePt" dir="t"/>
+    </dgm:scene3d>
+    <dgm:sp3d/>
+    <dgm:txPr/>
+    <dgm:style>
+      <a:lnRef idx="2">
+        <a:scrgbClr r="0" g="0" b="0"/>
+      </a:lnRef>
+      <a:fillRef idx="1">
+        <a:scrgbClr r="0" g="0" b="0"/>
+      </a:fillRef>
+      <a:effectRef idx="0">
+        <a:scrgbClr r="0" g="0" b="0"/>
+      </a:effectRef>
+      <a:fontRef idx="minor"/>
+    </dgm:style>
+  </dgm:styleLbl>
+  <dgm:styleLbl name="revTx">
+    <dgm:scene3d>
+      <a:camera prst="orthographicFront"/>
+      <a:lightRig rig="threePt" dir="t"/>
+    </dgm:scene3d>
+    <dgm:sp3d/>
+    <dgm:txPr/>
+    <dgm:style>
+      <a:lnRef idx="0">
+        <a:scrgbClr r="0" g="0" b="0"/>
+      </a:lnRef>
+      <a:fillRef idx="0">
+        <a:scrgbClr r="0" g="0" b="0"/>
+      </a:fillRef>
+      <a:effectRef idx="0">
+        <a:scrgbClr r="0" g="0" b="0"/>
+      </a:effectRef>
+      <a:fontRef idx="minor"/>
+    </dgm:style>
+  </dgm:styleLbl>
+</dgm:styleDef>
+</file>
+
 <file path=ppt/slideLayouts/slideLayout1.xml><?xml version="1.0" encoding="utf-8"?>
 <p:sldLayout xmlns:a="http://schemas.openxmlformats.org/drawingml/2006/main" xmlns:r="http://schemas.openxmlformats.org/officeDocument/2006/relationships" xmlns:p="http://schemas.openxmlformats.org/presentationml/2006/main" type="title" preserve="1">
   <p:cSld name="Title Slide">
@@ -6592,7 +9606,952 @@
 </p:sld>
 </file>
 
+<file path=ppt/slides/slide10.xml><?xml version="1.0" encoding="utf-8"?>
+<p:sld xmlns:a="http://schemas.openxmlformats.org/drawingml/2006/main" xmlns:r="http://schemas.openxmlformats.org/officeDocument/2006/relationships" xmlns:p="http://schemas.openxmlformats.org/presentationml/2006/main">
+  <p:cSld>
+    <p:spTree>
+      <p:nvGrpSpPr>
+        <p:cNvPr id="1" name=""/>
+        <p:cNvGrpSpPr/>
+        <p:nvPr/>
+      </p:nvGrpSpPr>
+      <p:grpSpPr>
+        <a:xfrm>
+          <a:off x="0" y="0"/>
+          <a:ext cx="0" cy="0"/>
+          <a:chOff x="0" y="0"/>
+          <a:chExt cx="0" cy="0"/>
+        </a:xfrm>
+      </p:grpSpPr>
+      <p:sp>
+        <p:nvSpPr>
+          <p:cNvPr id="2" name="Title 1">
+            <a:extLst>
+              <a:ext uri="{FF2B5EF4-FFF2-40B4-BE49-F238E27FC236}">
+                <a16:creationId xmlns:a16="http://schemas.microsoft.com/office/drawing/2014/main" id="{53BC5463-6C7C-4445-A0B3-30A621986985}"/>
+              </a:ext>
+            </a:extLst>
+          </p:cNvPr>
+          <p:cNvSpPr>
+            <a:spLocks noGrp="1"/>
+          </p:cNvSpPr>
+          <p:nvPr>
+            <p:ph type="title"/>
+          </p:nvPr>
+        </p:nvSpPr>
+        <p:spPr/>
+        <p:txBody>
+          <a:bodyPr/>
+          <a:lstStyle/>
+          <a:p>
+            <a:r>
+              <a:rPr lang="en-US" dirty="0"/>
+              <a:t>Post Mortem</a:t>
+            </a:r>
+          </a:p>
+        </p:txBody>
+      </p:sp>
+      <p:sp>
+        <p:nvSpPr>
+          <p:cNvPr id="3" name="Content Placeholder 2">
+            <a:extLst>
+              <a:ext uri="{FF2B5EF4-FFF2-40B4-BE49-F238E27FC236}">
+                <a16:creationId xmlns:a16="http://schemas.microsoft.com/office/drawing/2014/main" id="{8F0DC98A-B65A-4737-B74F-4C78AA7D8728}"/>
+              </a:ext>
+            </a:extLst>
+          </p:cNvPr>
+          <p:cNvSpPr>
+            <a:spLocks noGrp="1"/>
+          </p:cNvSpPr>
+          <p:nvPr>
+            <p:ph idx="1"/>
+          </p:nvPr>
+        </p:nvSpPr>
+        <p:spPr/>
+        <p:txBody>
+          <a:bodyPr>
+            <a:normAutofit fontScale="85000" lnSpcReduction="20000"/>
+          </a:bodyPr>
+          <a:lstStyle/>
+          <a:p>
+            <a:pPr lvl="0"/>
+            <a:r>
+              <a:rPr lang="en-US" dirty="0"/>
+              <a:t>Song metrics are created by Spotify and the algorithms are not publicly published.</a:t>
+            </a:r>
+          </a:p>
+          <a:p>
+            <a:pPr lvl="0"/>
+            <a:r>
+              <a:rPr lang="en-US" dirty="0"/>
+              <a:t>Billboard Hot 100 criteria have changed since 1958.</a:t>
+            </a:r>
+          </a:p>
+          <a:p>
+            <a:pPr lvl="1"/>
+            <a:r>
+              <a:rPr lang="en-US" i="1" dirty="0"/>
+              <a:t>Billboard</a:t>
+            </a:r>
+            <a:r>
+              <a:rPr lang="en-US" dirty="0"/>
+              <a:t> has (many times) changed its methodology and policies to give the most precise and accurate reflection of what is popular. A very basic example of this would be the ratio given to sales and airplay. During the Hot 100's early history, singles were the leading way by which people bought music. At times, when singles sales were robust, more weight was given to a song's retail points than to its radio airplay.</a:t>
+            </a:r>
+          </a:p>
+          <a:p>
+            <a:pPr lvl="0"/>
+            <a:r>
+              <a:rPr lang="en-US" dirty="0"/>
+              <a:t>Songs that have “remastered” on Greatest Hits or re-release albums</a:t>
+            </a:r>
+          </a:p>
+          <a:p>
+            <a:pPr lvl="1"/>
+            <a:r>
+              <a:rPr lang="en-US" dirty="0"/>
+              <a:t>Sound similar to the human ear, but the API returns slightly different song metrics.</a:t>
+            </a:r>
+          </a:p>
+          <a:p>
+            <a:pPr lvl="0"/>
+            <a:endParaRPr lang="en-US" dirty="0"/>
+          </a:p>
+          <a:p>
+            <a:r>
+              <a:rPr lang="en-US" dirty="0"/>
+              <a:t>Spotify does not have a universal formatting for Songs/Artists </a:t>
+            </a:r>
+          </a:p>
+          <a:p>
+            <a:endParaRPr lang="en-US" dirty="0"/>
+          </a:p>
+          <a:p>
+            <a:r>
+              <a:rPr lang="en-US" dirty="0"/>
+              <a:t>Billboard Hot 100 list parsed down to 27,000 songs from </a:t>
+            </a:r>
+            <a:r>
+              <a:rPr lang="en-US" dirty="0" err="1"/>
+              <a:t>xxxx</a:t>
+            </a:r>
+            <a:r>
+              <a:rPr lang="en-US" dirty="0"/>
+              <a:t>.</a:t>
+            </a:r>
+          </a:p>
+          <a:p>
+            <a:endParaRPr lang="en-US" dirty="0"/>
+          </a:p>
+        </p:txBody>
+      </p:sp>
+    </p:spTree>
+    <p:extLst>
+      <p:ext uri="{BB962C8B-B14F-4D97-AF65-F5344CB8AC3E}">
+        <p14:creationId xmlns:p14="http://schemas.microsoft.com/office/powerpoint/2010/main" val="1783278469"/>
+      </p:ext>
+    </p:extLst>
+  </p:cSld>
+  <p:clrMapOvr>
+    <a:masterClrMapping/>
+  </p:clrMapOvr>
+</p:sld>
+</file>
+
 <file path=ppt/slides/slide2.xml><?xml version="1.0" encoding="utf-8"?>
+<p:sld xmlns:a="http://schemas.openxmlformats.org/drawingml/2006/main" xmlns:r="http://schemas.openxmlformats.org/officeDocument/2006/relationships" xmlns:p="http://schemas.openxmlformats.org/presentationml/2006/main">
+  <p:cSld>
+    <p:bg>
+      <p:bgPr>
+        <a:solidFill>
+          <a:schemeClr val="bg1"/>
+        </a:solidFill>
+        <a:effectLst/>
+      </p:bgPr>
+    </p:bg>
+    <p:spTree>
+      <p:nvGrpSpPr>
+        <p:cNvPr id="1" name=""/>
+        <p:cNvGrpSpPr/>
+        <p:nvPr/>
+      </p:nvGrpSpPr>
+      <p:grpSpPr>
+        <a:xfrm>
+          <a:off x="0" y="0"/>
+          <a:ext cx="0" cy="0"/>
+          <a:chOff x="0" y="0"/>
+          <a:chExt cx="0" cy="0"/>
+        </a:xfrm>
+      </p:grpSpPr>
+      <p:sp>
+        <p:nvSpPr>
+          <p:cNvPr id="10" name="Freeform: Shape 9">
+            <a:extLst>
+              <a:ext uri="{FF2B5EF4-FFF2-40B4-BE49-F238E27FC236}">
+                <a16:creationId xmlns:a16="http://schemas.microsoft.com/office/drawing/2014/main" id="{42285737-90EE-47DC-AC80-8AE156B11969}"/>
+              </a:ext>
+              <a:ext uri="{C183D7F6-B498-43B3-948B-1728B52AA6E4}">
+                <adec:decorative xmlns:adec="http://schemas.microsoft.com/office/drawing/2017/decorative" val="1"/>
+              </a:ext>
+            </a:extLst>
+          </p:cNvPr>
+          <p:cNvSpPr>
+            <a:spLocks noGrp="1" noRot="1" noChangeAspect="1" noMove="1" noResize="1" noEditPoints="1" noAdjustHandles="1" noChangeArrowheads="1" noChangeShapeType="1" noTextEdit="1"/>
+          </p:cNvSpPr>
+          <p:nvPr>
+            <p:extLst>
+              <p:ext uri="{386F3935-93C4-4BCD-93E2-E3B085C9AB24}">
+                <p16:designElem xmlns:p16="http://schemas.microsoft.com/office/powerpoint/2015/main" val="1"/>
+              </p:ext>
+            </p:extLst>
+          </p:nvPr>
+        </p:nvSpPr>
+        <p:spPr>
+          <a:xfrm flipV="1">
+            <a:off x="-1" y="-1"/>
+            <a:ext cx="4403709" cy="6858001"/>
+          </a:xfrm>
+          <a:custGeom>
+            <a:avLst/>
+            <a:gdLst>
+              <a:gd name="connsiteX0" fmla="*/ 3223890 w 4403709"/>
+              <a:gd name="connsiteY0" fmla="*/ 6858001 h 6858001"/>
+              <a:gd name="connsiteX1" fmla="*/ 4101908 w 4403709"/>
+              <a:gd name="connsiteY1" fmla="*/ 6858001 h 6858001"/>
+              <a:gd name="connsiteX2" fmla="*/ 3254950 w 4403709"/>
+              <a:gd name="connsiteY2" fmla="*/ 1599356 h 6858001"/>
+              <a:gd name="connsiteX3" fmla="*/ 3254950 w 4403709"/>
+              <a:gd name="connsiteY3" fmla="*/ 1594062 h 6858001"/>
+              <a:gd name="connsiteX4" fmla="*/ 4403709 w 4403709"/>
+              <a:gd name="connsiteY4" fmla="*/ 0 h 6858001"/>
+              <a:gd name="connsiteX5" fmla="*/ 3254950 w 4403709"/>
+              <a:gd name="connsiteY5" fmla="*/ 0 h 6858001"/>
+              <a:gd name="connsiteX6" fmla="*/ 2903520 w 4403709"/>
+              <a:gd name="connsiteY6" fmla="*/ 0 h 6858001"/>
+              <a:gd name="connsiteX7" fmla="*/ 0 w 4403709"/>
+              <a:gd name="connsiteY7" fmla="*/ 0 h 6858001"/>
+              <a:gd name="connsiteX8" fmla="*/ 0 w 4403709"/>
+              <a:gd name="connsiteY8" fmla="*/ 6858000 h 6858001"/>
+              <a:gd name="connsiteX9" fmla="*/ 3223890 w 4403709"/>
+              <a:gd name="connsiteY9" fmla="*/ 6858000 h 6858001"/>
+            </a:gdLst>
+            <a:ahLst/>
+            <a:cxnLst>
+              <a:cxn ang="0">
+                <a:pos x="connsiteX0" y="connsiteY0"/>
+              </a:cxn>
+              <a:cxn ang="0">
+                <a:pos x="connsiteX1" y="connsiteY1"/>
+              </a:cxn>
+              <a:cxn ang="0">
+                <a:pos x="connsiteX2" y="connsiteY2"/>
+              </a:cxn>
+              <a:cxn ang="0">
+                <a:pos x="connsiteX3" y="connsiteY3"/>
+              </a:cxn>
+              <a:cxn ang="0">
+                <a:pos x="connsiteX4" y="connsiteY4"/>
+              </a:cxn>
+              <a:cxn ang="0">
+                <a:pos x="connsiteX5" y="connsiteY5"/>
+              </a:cxn>
+              <a:cxn ang="0">
+                <a:pos x="connsiteX6" y="connsiteY6"/>
+              </a:cxn>
+              <a:cxn ang="0">
+                <a:pos x="connsiteX7" y="connsiteY7"/>
+              </a:cxn>
+              <a:cxn ang="0">
+                <a:pos x="connsiteX8" y="connsiteY8"/>
+              </a:cxn>
+              <a:cxn ang="0">
+                <a:pos x="connsiteX9" y="connsiteY9"/>
+              </a:cxn>
+            </a:cxnLst>
+            <a:rect l="l" t="t" r="r" b="b"/>
+            <a:pathLst>
+              <a:path w="4403709" h="6858001">
+                <a:moveTo>
+                  <a:pt x="3223890" y="6858001"/>
+                </a:moveTo>
+                <a:lnTo>
+                  <a:pt x="4101908" y="6858001"/>
+                </a:lnTo>
+                <a:lnTo>
+                  <a:pt x="3254950" y="1599356"/>
+                </a:lnTo>
+                <a:lnTo>
+                  <a:pt x="3254950" y="1594062"/>
+                </a:lnTo>
+                <a:lnTo>
+                  <a:pt x="4403709" y="0"/>
+                </a:lnTo>
+                <a:lnTo>
+                  <a:pt x="3254950" y="0"/>
+                </a:lnTo>
+                <a:lnTo>
+                  <a:pt x="2903520" y="0"/>
+                </a:lnTo>
+                <a:lnTo>
+                  <a:pt x="0" y="0"/>
+                </a:lnTo>
+                <a:lnTo>
+                  <a:pt x="0" y="6858000"/>
+                </a:lnTo>
+                <a:lnTo>
+                  <a:pt x="3223890" y="6858000"/>
+                </a:lnTo>
+                <a:close/>
+              </a:path>
+            </a:pathLst>
+          </a:custGeom>
+          <a:ln>
+            <a:noFill/>
+          </a:ln>
+        </p:spPr>
+        <p:style>
+          <a:lnRef idx="2">
+            <a:schemeClr val="accent1">
+              <a:shade val="50000"/>
+            </a:schemeClr>
+          </a:lnRef>
+          <a:fillRef idx="1002">
+            <a:schemeClr val="dk1"/>
+          </a:fillRef>
+          <a:effectRef idx="0">
+            <a:schemeClr val="accent1"/>
+          </a:effectRef>
+          <a:fontRef idx="minor">
+            <a:schemeClr val="lt1"/>
+          </a:fontRef>
+        </p:style>
+        <p:txBody>
+          <a:bodyPr rtlCol="0" anchor="ctr"/>
+          <a:lstStyle/>
+          <a:p>
+            <a:pPr marL="0" marR="0" lvl="0" indent="0" algn="ctr" defTabSz="457200" rtl="0" eaLnBrk="1" fontAlgn="auto" latinLnBrk="0" hangingPunct="1">
+              <a:lnSpc>
+                <a:spcPct val="100000"/>
+              </a:lnSpc>
+              <a:spcBef>
+                <a:spcPts val="0"/>
+              </a:spcBef>
+              <a:spcAft>
+                <a:spcPts val="0"/>
+              </a:spcAft>
+              <a:buClrTx/>
+              <a:buSzTx/>
+              <a:buFontTx/>
+              <a:buNone/>
+              <a:tabLst/>
+              <a:defRPr/>
+            </a:pPr>
+            <a:endParaRPr kumimoji="0" lang="en-US" sz="1800" b="0" i="0" u="none" strike="noStrike" kern="1200" cap="none" spc="0" normalizeH="0" baseline="0" noProof="0">
+              <a:ln>
+                <a:noFill/>
+              </a:ln>
+              <a:solidFill>
+                <a:prstClr val="black"/>
+              </a:solidFill>
+              <a:effectLst/>
+              <a:uLnTx/>
+              <a:uFillTx/>
+              <a:latin typeface="Calibri" panose="020F0502020204030204"/>
+              <a:ea typeface="+mn-ea"/>
+              <a:cs typeface="+mn-cs"/>
+            </a:endParaRPr>
+          </a:p>
+        </p:txBody>
+      </p:sp>
+      <p:grpSp>
+        <p:nvGrpSpPr>
+          <p:cNvPr id="12" name="Group 11">
+            <a:extLst>
+              <a:ext uri="{FF2B5EF4-FFF2-40B4-BE49-F238E27FC236}">
+                <a16:creationId xmlns:a16="http://schemas.microsoft.com/office/drawing/2014/main" id="{B57BDC17-F1B3-455F-BBF1-680AA1F25C06}"/>
+              </a:ext>
+              <a:ext uri="{C183D7F6-B498-43B3-948B-1728B52AA6E4}">
+                <adec:decorative xmlns:adec="http://schemas.microsoft.com/office/drawing/2017/decorative" val="1"/>
+              </a:ext>
+            </a:extLst>
+          </p:cNvPr>
+          <p:cNvGrpSpPr>
+            <a:grpSpLocks noGrp="1" noUngrp="1" noRot="1" noChangeAspect="1" noMove="1" noResize="1"/>
+          </p:cNvGrpSpPr>
+          <p:nvPr>
+            <p:extLst>
+              <p:ext uri="{386F3935-93C4-4BCD-93E2-E3B085C9AB24}">
+                <p16:designElem xmlns:p16="http://schemas.microsoft.com/office/powerpoint/2015/main" val="1"/>
+              </p:ext>
+            </p:extLst>
+          </p:nvPr>
+        </p:nvGrpSpPr>
+        <p:grpSpPr>
+          <a:xfrm>
+            <a:off x="3315292" y="0"/>
+            <a:ext cx="2436813" cy="6858001"/>
+            <a:chOff x="1320800" y="0"/>
+            <a:chExt cx="2436813" cy="6858001"/>
+          </a:xfrm>
+        </p:grpSpPr>
+        <p:sp>
+          <p:nvSpPr>
+            <p:cNvPr id="13" name="Freeform 6">
+              <a:extLst>
+                <a:ext uri="{FF2B5EF4-FFF2-40B4-BE49-F238E27FC236}">
+                  <a16:creationId xmlns:a16="http://schemas.microsoft.com/office/drawing/2014/main" id="{64E2FA9A-FEF7-4501-B0EB-5E45EDD2177A}"/>
+                </a:ext>
+                <a:ext uri="{C183D7F6-B498-43B3-948B-1728B52AA6E4}">
+                  <adec:decorative xmlns:adec="http://schemas.microsoft.com/office/drawing/2017/decorative" val="1"/>
+                </a:ext>
+              </a:extLst>
+            </p:cNvPr>
+            <p:cNvSpPr/>
+            <p:nvPr>
+              <p:extLst>
+                <p:ext uri="{386F3935-93C4-4BCD-93E2-E3B085C9AB24}">
+                  <p16:designElem xmlns:p16="http://schemas.microsoft.com/office/powerpoint/2015/main" val="1"/>
+                </p:ext>
+              </p:extLst>
+            </p:nvPr>
+          </p:nvSpPr>
+          <p:spPr bwMode="auto">
+            <a:xfrm>
+              <a:off x="1627188" y="0"/>
+              <a:ext cx="1122363" cy="5329238"/>
+            </a:xfrm>
+            <a:custGeom>
+              <a:avLst/>
+              <a:gdLst/>
+              <a:ahLst/>
+              <a:cxnLst/>
+              <a:rect l="0" t="0" r="r" b="b"/>
+              <a:pathLst>
+                <a:path w="707" h="3357">
+                  <a:moveTo>
+                    <a:pt x="0" y="3330"/>
+                  </a:moveTo>
+                  <a:lnTo>
+                    <a:pt x="156" y="3357"/>
+                  </a:lnTo>
+                  <a:lnTo>
+                    <a:pt x="707" y="0"/>
+                  </a:lnTo>
+                  <a:lnTo>
+                    <a:pt x="547" y="0"/>
+                  </a:lnTo>
+                  <a:lnTo>
+                    <a:pt x="0" y="3330"/>
+                  </a:lnTo>
+                  <a:close/>
+                </a:path>
+              </a:pathLst>
+            </a:custGeom>
+            <a:solidFill>
+              <a:schemeClr val="accent1"/>
+            </a:solidFill>
+            <a:ln>
+              <a:noFill/>
+            </a:ln>
+          </p:spPr>
+        </p:sp>
+        <p:sp>
+          <p:nvSpPr>
+            <p:cNvPr id="14" name="Freeform 7">
+              <a:extLst>
+                <a:ext uri="{FF2B5EF4-FFF2-40B4-BE49-F238E27FC236}">
+                  <a16:creationId xmlns:a16="http://schemas.microsoft.com/office/drawing/2014/main" id="{BC38192B-B4CB-47D4-A3B1-10010247F158}"/>
+                </a:ext>
+                <a:ext uri="{C183D7F6-B498-43B3-948B-1728B52AA6E4}">
+                  <adec:decorative xmlns:adec="http://schemas.microsoft.com/office/drawing/2017/decorative" val="1"/>
+                </a:ext>
+              </a:extLst>
+            </p:cNvPr>
+            <p:cNvSpPr/>
+            <p:nvPr>
+              <p:extLst>
+                <p:ext uri="{386F3935-93C4-4BCD-93E2-E3B085C9AB24}">
+                  <p16:designElem xmlns:p16="http://schemas.microsoft.com/office/powerpoint/2015/main" val="1"/>
+                </p:ext>
+              </p:extLst>
+            </p:nvPr>
+          </p:nvSpPr>
+          <p:spPr bwMode="auto">
+            <a:xfrm>
+              <a:off x="1320800" y="0"/>
+              <a:ext cx="1117600" cy="5276850"/>
+            </a:xfrm>
+            <a:custGeom>
+              <a:avLst/>
+              <a:gdLst/>
+              <a:ahLst/>
+              <a:cxnLst/>
+              <a:rect l="0" t="0" r="r" b="b"/>
+              <a:pathLst>
+                <a:path w="704" h="3324">
+                  <a:moveTo>
+                    <a:pt x="704" y="0"/>
+                  </a:moveTo>
+                  <a:lnTo>
+                    <a:pt x="545" y="0"/>
+                  </a:lnTo>
+                  <a:lnTo>
+                    <a:pt x="0" y="3300"/>
+                  </a:lnTo>
+                  <a:lnTo>
+                    <a:pt x="157" y="3324"/>
+                  </a:lnTo>
+                  <a:lnTo>
+                    <a:pt x="704" y="0"/>
+                  </a:lnTo>
+                  <a:close/>
+                </a:path>
+              </a:pathLst>
+            </a:custGeom>
+            <a:solidFill>
+              <a:srgbClr val="595959"/>
+            </a:solidFill>
+            <a:ln>
+              <a:noFill/>
+            </a:ln>
+          </p:spPr>
+        </p:sp>
+        <p:sp>
+          <p:nvSpPr>
+            <p:cNvPr id="15" name="Freeform 8">
+              <a:extLst>
+                <a:ext uri="{FF2B5EF4-FFF2-40B4-BE49-F238E27FC236}">
+                  <a16:creationId xmlns:a16="http://schemas.microsoft.com/office/drawing/2014/main" id="{96330E33-E171-4B0F-82B5-AF7230399B5C}"/>
+                </a:ext>
+                <a:ext uri="{C183D7F6-B498-43B3-948B-1728B52AA6E4}">
+                  <adec:decorative xmlns:adec="http://schemas.microsoft.com/office/drawing/2017/decorative" val="1"/>
+                </a:ext>
+              </a:extLst>
+            </p:cNvPr>
+            <p:cNvSpPr/>
+            <p:nvPr>
+              <p:extLst>
+                <p:ext uri="{386F3935-93C4-4BCD-93E2-E3B085C9AB24}">
+                  <p16:designElem xmlns:p16="http://schemas.microsoft.com/office/powerpoint/2015/main" val="1"/>
+                </p:ext>
+              </p:extLst>
+            </p:nvPr>
+          </p:nvSpPr>
+          <p:spPr bwMode="auto">
+            <a:xfrm>
+              <a:off x="1320800" y="5238750"/>
+              <a:ext cx="1228725" cy="1619250"/>
+            </a:xfrm>
+            <a:custGeom>
+              <a:avLst/>
+              <a:gdLst/>
+              <a:ahLst/>
+              <a:cxnLst/>
+              <a:rect l="0" t="0" r="r" b="b"/>
+              <a:pathLst>
+                <a:path w="774" h="1020">
+                  <a:moveTo>
+                    <a:pt x="0" y="0"/>
+                  </a:moveTo>
+                  <a:lnTo>
+                    <a:pt x="740" y="1020"/>
+                  </a:lnTo>
+                  <a:lnTo>
+                    <a:pt x="774" y="1020"/>
+                  </a:lnTo>
+                  <a:lnTo>
+                    <a:pt x="0" y="0"/>
+                  </a:lnTo>
+                  <a:close/>
+                </a:path>
+              </a:pathLst>
+            </a:custGeom>
+            <a:solidFill>
+              <a:srgbClr val="262626"/>
+            </a:solidFill>
+            <a:ln>
+              <a:noFill/>
+            </a:ln>
+          </p:spPr>
+        </p:sp>
+        <p:sp>
+          <p:nvSpPr>
+            <p:cNvPr id="16" name="Freeform 9">
+              <a:extLst>
+                <a:ext uri="{FF2B5EF4-FFF2-40B4-BE49-F238E27FC236}">
+                  <a16:creationId xmlns:a16="http://schemas.microsoft.com/office/drawing/2014/main" id="{332B1723-69BF-42D7-B757-0FA059E15256}"/>
+                </a:ext>
+                <a:ext uri="{C183D7F6-B498-43B3-948B-1728B52AA6E4}">
+                  <adec:decorative xmlns:adec="http://schemas.microsoft.com/office/drawing/2017/decorative" val="1"/>
+                </a:ext>
+              </a:extLst>
+            </p:cNvPr>
+            <p:cNvSpPr/>
+            <p:nvPr>
+              <p:extLst>
+                <p:ext uri="{386F3935-93C4-4BCD-93E2-E3B085C9AB24}">
+                  <p16:designElem xmlns:p16="http://schemas.microsoft.com/office/powerpoint/2015/main" val="1"/>
+                </p:ext>
+              </p:extLst>
+            </p:nvPr>
+          </p:nvSpPr>
+          <p:spPr bwMode="auto">
+            <a:xfrm>
+              <a:off x="1627188" y="5291138"/>
+              <a:ext cx="1495425" cy="1566863"/>
+            </a:xfrm>
+            <a:custGeom>
+              <a:avLst/>
+              <a:gdLst/>
+              <a:ahLst/>
+              <a:cxnLst/>
+              <a:rect l="0" t="0" r="r" b="b"/>
+              <a:pathLst>
+                <a:path w="942" h="987">
+                  <a:moveTo>
+                    <a:pt x="0" y="0"/>
+                  </a:moveTo>
+                  <a:lnTo>
+                    <a:pt x="909" y="987"/>
+                  </a:lnTo>
+                  <a:lnTo>
+                    <a:pt x="942" y="987"/>
+                  </a:lnTo>
+                  <a:lnTo>
+                    <a:pt x="0" y="0"/>
+                  </a:lnTo>
+                  <a:close/>
+                </a:path>
+              </a:pathLst>
+            </a:custGeom>
+            <a:solidFill>
+              <a:schemeClr val="accent1">
+                <a:lumMod val="50000"/>
+              </a:schemeClr>
+            </a:solidFill>
+            <a:ln>
+              <a:noFill/>
+            </a:ln>
+          </p:spPr>
+        </p:sp>
+        <p:sp>
+          <p:nvSpPr>
+            <p:cNvPr id="17" name="Freeform 10">
+              <a:extLst>
+                <a:ext uri="{FF2B5EF4-FFF2-40B4-BE49-F238E27FC236}">
+                  <a16:creationId xmlns:a16="http://schemas.microsoft.com/office/drawing/2014/main" id="{F115D62D-1E96-48D1-A78D-D370A0BFB9B5}"/>
+                </a:ext>
+                <a:ext uri="{C183D7F6-B498-43B3-948B-1728B52AA6E4}">
+                  <adec:decorative xmlns:adec="http://schemas.microsoft.com/office/drawing/2017/decorative" val="1"/>
+                </a:ext>
+              </a:extLst>
+            </p:cNvPr>
+            <p:cNvSpPr/>
+            <p:nvPr>
+              <p:extLst>
+                <p:ext uri="{386F3935-93C4-4BCD-93E2-E3B085C9AB24}">
+                  <p16:designElem xmlns:p16="http://schemas.microsoft.com/office/powerpoint/2015/main" val="1"/>
+                </p:ext>
+              </p:extLst>
+            </p:nvPr>
+          </p:nvSpPr>
+          <p:spPr bwMode="auto">
+            <a:xfrm>
+              <a:off x="1627188" y="5286375"/>
+              <a:ext cx="2130425" cy="1571625"/>
+            </a:xfrm>
+            <a:custGeom>
+              <a:avLst/>
+              <a:gdLst/>
+              <a:ahLst/>
+              <a:cxnLst/>
+              <a:rect l="0" t="0" r="r" b="b"/>
+              <a:pathLst>
+                <a:path w="1342" h="990">
+                  <a:moveTo>
+                    <a:pt x="0" y="3"/>
+                  </a:moveTo>
+                  <a:lnTo>
+                    <a:pt x="942" y="990"/>
+                  </a:lnTo>
+                  <a:lnTo>
+                    <a:pt x="1342" y="990"/>
+                  </a:lnTo>
+                  <a:lnTo>
+                    <a:pt x="156" y="27"/>
+                  </a:lnTo>
+                  <a:lnTo>
+                    <a:pt x="0" y="0"/>
+                  </a:lnTo>
+                  <a:lnTo>
+                    <a:pt x="0" y="3"/>
+                  </a:lnTo>
+                  <a:close/>
+                </a:path>
+              </a:pathLst>
+            </a:custGeom>
+            <a:solidFill>
+              <a:schemeClr val="accent1">
+                <a:lumMod val="75000"/>
+              </a:schemeClr>
+            </a:solidFill>
+            <a:ln>
+              <a:noFill/>
+            </a:ln>
+          </p:spPr>
+        </p:sp>
+        <p:sp>
+          <p:nvSpPr>
+            <p:cNvPr id="18" name="Freeform 11">
+              <a:extLst>
+                <a:ext uri="{FF2B5EF4-FFF2-40B4-BE49-F238E27FC236}">
+                  <a16:creationId xmlns:a16="http://schemas.microsoft.com/office/drawing/2014/main" id="{91C2876A-169D-4822-A766-C00578C88B4B}"/>
+                </a:ext>
+                <a:ext uri="{C183D7F6-B498-43B3-948B-1728B52AA6E4}">
+                  <adec:decorative xmlns:adec="http://schemas.microsoft.com/office/drawing/2017/decorative" val="1"/>
+                </a:ext>
+              </a:extLst>
+            </p:cNvPr>
+            <p:cNvSpPr/>
+            <p:nvPr>
+              <p:extLst>
+                <p:ext uri="{386F3935-93C4-4BCD-93E2-E3B085C9AB24}">
+                  <p16:designElem xmlns:p16="http://schemas.microsoft.com/office/powerpoint/2015/main" val="1"/>
+                </p:ext>
+              </p:extLst>
+            </p:nvPr>
+          </p:nvSpPr>
+          <p:spPr bwMode="auto">
+            <a:xfrm>
+              <a:off x="1320800" y="5238750"/>
+              <a:ext cx="1695450" cy="1619250"/>
+            </a:xfrm>
+            <a:custGeom>
+              <a:avLst/>
+              <a:gdLst/>
+              <a:ahLst/>
+              <a:cxnLst/>
+              <a:rect l="0" t="0" r="r" b="b"/>
+              <a:pathLst>
+                <a:path w="1068" h="1020">
+                  <a:moveTo>
+                    <a:pt x="1068" y="1020"/>
+                  </a:moveTo>
+                  <a:lnTo>
+                    <a:pt x="184" y="60"/>
+                  </a:lnTo>
+                  <a:lnTo>
+                    <a:pt x="154" y="27"/>
+                  </a:lnTo>
+                  <a:lnTo>
+                    <a:pt x="157" y="27"/>
+                  </a:lnTo>
+                  <a:lnTo>
+                    <a:pt x="157" y="24"/>
+                  </a:lnTo>
+                  <a:lnTo>
+                    <a:pt x="154" y="24"/>
+                  </a:lnTo>
+                  <a:lnTo>
+                    <a:pt x="0" y="0"/>
+                  </a:lnTo>
+                  <a:lnTo>
+                    <a:pt x="0" y="0"/>
+                  </a:lnTo>
+                  <a:lnTo>
+                    <a:pt x="774" y="1020"/>
+                  </a:lnTo>
+                  <a:lnTo>
+                    <a:pt x="1068" y="1020"/>
+                  </a:lnTo>
+                  <a:close/>
+                </a:path>
+              </a:pathLst>
+            </a:custGeom>
+            <a:solidFill>
+              <a:srgbClr val="404040"/>
+            </a:solidFill>
+            <a:ln>
+              <a:noFill/>
+            </a:ln>
+          </p:spPr>
+        </p:sp>
+      </p:grpSp>
+      <p:sp>
+        <p:nvSpPr>
+          <p:cNvPr id="2" name="Title 1">
+            <a:extLst>
+              <a:ext uri="{FF2B5EF4-FFF2-40B4-BE49-F238E27FC236}">
+                <a16:creationId xmlns:a16="http://schemas.microsoft.com/office/drawing/2014/main" id="{32C6FDF5-89F9-4FCD-A2A4-6E3AD4519229}"/>
+              </a:ext>
+            </a:extLst>
+          </p:cNvPr>
+          <p:cNvSpPr>
+            <a:spLocks noGrp="1"/>
+          </p:cNvSpPr>
+          <p:nvPr>
+            <p:ph type="title"/>
+          </p:nvPr>
+        </p:nvSpPr>
+        <p:spPr>
+          <a:xfrm>
+            <a:off x="535020" y="685800"/>
+            <a:ext cx="2780271" cy="5105400"/>
+          </a:xfrm>
+        </p:spPr>
+        <p:txBody>
+          <a:bodyPr>
+            <a:normAutofit/>
+          </a:bodyPr>
+          <a:lstStyle/>
+          <a:p>
+            <a:r>
+              <a:rPr lang="en-US" sz="4000">
+                <a:solidFill>
+                  <a:srgbClr val="FFFFFF"/>
+                </a:solidFill>
+              </a:rPr>
+              <a:t>Questions &amp; Data</a:t>
+            </a:r>
+          </a:p>
+        </p:txBody>
+      </p:sp>
+      <p:graphicFrame>
+        <p:nvGraphicFramePr>
+          <p:cNvPr id="5" name="Content Placeholder 2">
+            <a:extLst>
+              <a:ext uri="{FF2B5EF4-FFF2-40B4-BE49-F238E27FC236}">
+                <a16:creationId xmlns:a16="http://schemas.microsoft.com/office/drawing/2014/main" id="{D52500F4-FB3D-4B38-B508-BBC15F69EB38}"/>
+              </a:ext>
+            </a:extLst>
+          </p:cNvPr>
+          <p:cNvGraphicFramePr>
+            <a:graphicFrameLocks noGrp="1"/>
+          </p:cNvGraphicFramePr>
+          <p:nvPr>
+            <p:ph idx="1"/>
+            <p:extLst>
+              <p:ext uri="{D42A27DB-BD31-4B8C-83A1-F6EECF244321}">
+                <p14:modId xmlns:p14="http://schemas.microsoft.com/office/powerpoint/2010/main" val="2192065862"/>
+              </p:ext>
+            </p:extLst>
+          </p:nvPr>
+        </p:nvGraphicFramePr>
+        <p:xfrm>
+          <a:off x="5010150" y="685800"/>
+          <a:ext cx="6492875" cy="5105400"/>
+        </p:xfrm>
+        <a:graphic>
+          <a:graphicData uri="http://schemas.openxmlformats.org/drawingml/2006/diagram">
+            <dgm:relIds xmlns:dgm="http://schemas.openxmlformats.org/drawingml/2006/diagram" xmlns:r="http://schemas.openxmlformats.org/officeDocument/2006/relationships" r:dm="rId2" r:lo="rId3" r:qs="rId4" r:cs="rId5"/>
+          </a:graphicData>
+        </a:graphic>
+      </p:graphicFrame>
+    </p:spTree>
+    <p:extLst>
+      <p:ext uri="{BB962C8B-B14F-4D97-AF65-F5344CB8AC3E}">
+        <p14:creationId xmlns:p14="http://schemas.microsoft.com/office/powerpoint/2010/main" val="2793218762"/>
+      </p:ext>
+    </p:extLst>
+  </p:cSld>
+  <p:clrMapOvr>
+    <a:masterClrMapping/>
+  </p:clrMapOvr>
+</p:sld>
+</file>
+
+<file path=ppt/slides/slide3.xml><?xml version="1.0" encoding="utf-8"?>
+<p:sld xmlns:a="http://schemas.openxmlformats.org/drawingml/2006/main" xmlns:r="http://schemas.openxmlformats.org/officeDocument/2006/relationships" xmlns:p="http://schemas.openxmlformats.org/presentationml/2006/main">
+  <p:cSld>
+    <p:spTree>
+      <p:nvGrpSpPr>
+        <p:cNvPr id="1" name=""/>
+        <p:cNvGrpSpPr/>
+        <p:nvPr/>
+      </p:nvGrpSpPr>
+      <p:grpSpPr>
+        <a:xfrm>
+          <a:off x="0" y="0"/>
+          <a:ext cx="0" cy="0"/>
+          <a:chOff x="0" y="0"/>
+          <a:chExt cx="0" cy="0"/>
+        </a:xfrm>
+      </p:grpSpPr>
+      <p:sp>
+        <p:nvSpPr>
+          <p:cNvPr id="2" name="Title 1">
+            <a:extLst>
+              <a:ext uri="{FF2B5EF4-FFF2-40B4-BE49-F238E27FC236}">
+                <a16:creationId xmlns:a16="http://schemas.microsoft.com/office/drawing/2014/main" id="{E22E3C97-BFA8-4D7F-8B94-F7DFF6454881}"/>
+              </a:ext>
+            </a:extLst>
+          </p:cNvPr>
+          <p:cNvSpPr>
+            <a:spLocks noGrp="1"/>
+          </p:cNvSpPr>
+          <p:nvPr>
+            <p:ph type="title"/>
+          </p:nvPr>
+        </p:nvSpPr>
+        <p:spPr/>
+        <p:txBody>
+          <a:bodyPr/>
+          <a:lstStyle/>
+          <a:p>
+            <a:r>
+              <a:rPr lang="en-US" dirty="0"/>
+              <a:t>Quick Summary</a:t>
+            </a:r>
+          </a:p>
+        </p:txBody>
+      </p:sp>
+      <p:sp>
+        <p:nvSpPr>
+          <p:cNvPr id="3" name="Content Placeholder 2">
+            <a:extLst>
+              <a:ext uri="{FF2B5EF4-FFF2-40B4-BE49-F238E27FC236}">
+                <a16:creationId xmlns:a16="http://schemas.microsoft.com/office/drawing/2014/main" id="{FDE26989-67B1-483F-A418-0468583A2059}"/>
+              </a:ext>
+            </a:extLst>
+          </p:cNvPr>
+          <p:cNvSpPr>
+            <a:spLocks noGrp="1"/>
+          </p:cNvSpPr>
+          <p:nvPr>
+            <p:ph idx="1"/>
+          </p:nvPr>
+        </p:nvSpPr>
+        <p:spPr/>
+        <p:txBody>
+          <a:bodyPr>
+            <a:normAutofit/>
+          </a:bodyPr>
+          <a:lstStyle/>
+          <a:p>
+            <a:r>
+              <a:rPr lang="en-US" sz="2000" dirty="0">
+                <a:highlight>
+                  <a:srgbClr val="FFFF00"/>
+                </a:highlight>
+              </a:rPr>
+              <a:t>Describe whether you were able to answer these questions to your satisfaction, and briefly summarize your findings</a:t>
+            </a:r>
+          </a:p>
+        </p:txBody>
+      </p:sp>
+    </p:spTree>
+    <p:extLst>
+      <p:ext uri="{BB962C8B-B14F-4D97-AF65-F5344CB8AC3E}">
+        <p14:creationId xmlns:p14="http://schemas.microsoft.com/office/powerpoint/2010/main" val="2170331130"/>
+      </p:ext>
+    </p:extLst>
+  </p:cSld>
+  <p:clrMapOvr>
+    <a:masterClrMapping/>
+  </p:clrMapOvr>
+</p:sld>
+</file>
+
+<file path=ppt/slides/slide4.xml><?xml version="1.0" encoding="utf-8"?>
 <p:sld xmlns:a="http://schemas.openxmlformats.org/drawingml/2006/main" xmlns:r="http://schemas.openxmlformats.org/officeDocument/2006/relationships" xmlns:p="http://schemas.openxmlformats.org/presentationml/2006/main">
   <p:cSld>
     <p:bg>
@@ -7266,7 +11225,7 @@
             <p:ph idx="1"/>
             <p:extLst>
               <p:ext uri="{D42A27DB-BD31-4B8C-83A1-F6EECF244321}">
-                <p14:modId xmlns:p14="http://schemas.microsoft.com/office/powerpoint/2010/main" val="397154230"/>
+                <p14:modId xmlns:p14="http://schemas.microsoft.com/office/powerpoint/2010/main" val="1627335667"/>
               </p:ext>
             </p:extLst>
           </p:nvPr>
@@ -7294,117 +11253,7 @@
 </p:sld>
 </file>
 
-<file path=ppt/slides/slide3.xml><?xml version="1.0" encoding="utf-8"?>
-<p:sld xmlns:a="http://schemas.openxmlformats.org/drawingml/2006/main" xmlns:r="http://schemas.openxmlformats.org/officeDocument/2006/relationships" xmlns:p="http://schemas.openxmlformats.org/presentationml/2006/main">
-  <p:cSld>
-    <p:spTree>
-      <p:nvGrpSpPr>
-        <p:cNvPr id="1" name=""/>
-        <p:cNvGrpSpPr/>
-        <p:nvPr/>
-      </p:nvGrpSpPr>
-      <p:grpSpPr>
-        <a:xfrm>
-          <a:off x="0" y="0"/>
-          <a:ext cx="0" cy="0"/>
-          <a:chOff x="0" y="0"/>
-          <a:chExt cx="0" cy="0"/>
-        </a:xfrm>
-      </p:grpSpPr>
-      <p:sp>
-        <p:nvSpPr>
-          <p:cNvPr id="2" name="Title 1">
-            <a:extLst>
-              <a:ext uri="{FF2B5EF4-FFF2-40B4-BE49-F238E27FC236}">
-                <a16:creationId xmlns:a16="http://schemas.microsoft.com/office/drawing/2014/main" id="{32C6FDF5-89F9-4FCD-A2A4-6E3AD4519229}"/>
-              </a:ext>
-            </a:extLst>
-          </p:cNvPr>
-          <p:cNvSpPr>
-            <a:spLocks noGrp="1"/>
-          </p:cNvSpPr>
-          <p:nvPr>
-            <p:ph type="title"/>
-          </p:nvPr>
-        </p:nvSpPr>
-        <p:spPr/>
-        <p:txBody>
-          <a:bodyPr/>
-          <a:lstStyle/>
-          <a:p>
-            <a:r>
-              <a:rPr lang="en-US" dirty="0"/>
-              <a:t>Questions &amp; Data</a:t>
-            </a:r>
-          </a:p>
-        </p:txBody>
-      </p:sp>
-      <p:sp>
-        <p:nvSpPr>
-          <p:cNvPr id="3" name="Content Placeholder 2">
-            <a:extLst>
-              <a:ext uri="{FF2B5EF4-FFF2-40B4-BE49-F238E27FC236}">
-                <a16:creationId xmlns:a16="http://schemas.microsoft.com/office/drawing/2014/main" id="{082E2CB6-A140-475C-AD92-F877CE2A99AA}"/>
-              </a:ext>
-            </a:extLst>
-          </p:cNvPr>
-          <p:cNvSpPr>
-            <a:spLocks noGrp="1"/>
-          </p:cNvSpPr>
-          <p:nvPr>
-            <p:ph idx="1"/>
-          </p:nvPr>
-        </p:nvSpPr>
-        <p:spPr/>
-        <p:txBody>
-          <a:bodyPr>
-            <a:normAutofit/>
-          </a:bodyPr>
-          <a:lstStyle/>
-          <a:p>
-            <a:r>
-              <a:rPr lang="en-US" dirty="0"/>
-              <a:t> </a:t>
-            </a:r>
-            <a:r>
-              <a:rPr lang="en-US" sz="1700" dirty="0"/>
-              <a:t>Elaborate on the questions you asked, describing what kinds of data you needed to answer them, and where you found it</a:t>
-            </a:r>
-          </a:p>
-          <a:p>
-            <a:r>
-              <a:rPr lang="en-US" dirty="0"/>
-              <a:t>We wanted to know whether we could find a trend in song metric analysis among songs that made it into the Billboard Top 100 and songs that did not.</a:t>
-            </a:r>
-          </a:p>
-          <a:p>
-            <a:r>
-              <a:rPr lang="en-US" dirty="0"/>
-              <a:t>To answer this, we needed a list of all of the songs that have ever been on the Billboard Top 100 (pulled via Billboard API wrapper) and the song metrics for all of these songs (provided by the Spotify API).</a:t>
-            </a:r>
-          </a:p>
-          <a:p>
-            <a:r>
-              <a:rPr lang="en-US" dirty="0"/>
-              <a:t>*Settled on using the Spotify API due to robustness and relatability of music.</a:t>
-            </a:r>
-          </a:p>
-        </p:txBody>
-      </p:sp>
-    </p:spTree>
-    <p:extLst>
-      <p:ext uri="{BB962C8B-B14F-4D97-AF65-F5344CB8AC3E}">
-        <p14:creationId xmlns:p14="http://schemas.microsoft.com/office/powerpoint/2010/main" val="2793218762"/>
-      </p:ext>
-    </p:extLst>
-  </p:cSld>
-  <p:clrMapOvr>
-    <a:masterClrMapping/>
-  </p:clrMapOvr>
-</p:sld>
-</file>
-
-<file path=ppt/slides/slide4.xml><?xml version="1.0" encoding="utf-8"?>
+<file path=ppt/slides/slide5.xml><?xml version="1.0" encoding="utf-8"?>
 <p:sld xmlns:a="http://schemas.openxmlformats.org/drawingml/2006/main" xmlns:r="http://schemas.openxmlformats.org/officeDocument/2006/relationships" xmlns:p="http://schemas.openxmlformats.org/presentationml/2006/main">
   <p:cSld>
     <p:spTree>
@@ -7473,17 +11322,41 @@
           <a:lstStyle/>
           <a:p>
             <a:r>
-              <a:rPr lang="en-US" dirty="0"/>
+              <a:rPr lang="en-US" dirty="0">
+                <a:highlight>
+                  <a:srgbClr val="FFFF00"/>
+                </a:highlight>
+              </a:rPr>
               <a:t>*Describe the exploration and cleanup process</a:t>
             </a:r>
           </a:p>
           <a:p>
-            <a:endParaRPr lang="en-US" dirty="0"/>
-          </a:p>
-          <a:p>
+            <a:pPr lvl="1"/>
             <a:r>
               <a:rPr lang="en-US" dirty="0"/>
-              <a:t>  * Discuss insights you had while exploring the data that you didn't anticipate</a:t>
+              <a:t>Found wrappers for Billboard API and Spotify API (</a:t>
+            </a:r>
+            <a:r>
+              <a:rPr lang="en-US" dirty="0" err="1"/>
+              <a:t>Spotipy</a:t>
+            </a:r>
+            <a:r>
+              <a:rPr lang="en-US" dirty="0"/>
+              <a:t>).</a:t>
+            </a:r>
+          </a:p>
+          <a:p>
+            <a:r>
+              <a:rPr lang="en-US" dirty="0"/>
+              <a:t>  </a:t>
+            </a:r>
+            <a:r>
+              <a:rPr lang="en-US" dirty="0">
+                <a:highlight>
+                  <a:srgbClr val="FFFF00"/>
+                </a:highlight>
+              </a:rPr>
+              <a:t>* Discuss insights you had while exploring the data that you didn't anticipate</a:t>
             </a:r>
           </a:p>
           <a:p>
@@ -7497,7 +11370,7 @@
             <a:pPr lvl="2"/>
             <a:r>
               <a:rPr lang="en-US" dirty="0"/>
-              <a:t>Implementation of fuzzy matching and fuzzy ratio.</a:t>
+              <a:t>Workaround: Implementation of fuzzy matching and fuzzy ratio.</a:t>
             </a:r>
           </a:p>
           <a:p>
@@ -7514,21 +11387,23 @@
             </a:r>
           </a:p>
           <a:p>
-            <a:endParaRPr lang="en-US" dirty="0"/>
-          </a:p>
-          <a:p>
+            <a:pPr lvl="1"/>
             <a:r>
               <a:rPr lang="en-US" dirty="0"/>
-              <a:t>  * Present and discuss interesting figures developed during exploration, ideally with the help of </a:t>
+              <a:t>Spotify API timing out when trying to request details of 27K songs. Had to break the retrieval process up into separate loops.</a:t>
             </a:r>
-            <a:r>
-              <a:rPr lang="en-US" dirty="0" err="1"/>
-              <a:t>Jupyter</a:t>
-            </a:r>
+          </a:p>
+          <a:p>
             <a:r>
               <a:rPr lang="en-US" dirty="0"/>
-              <a:t> Notebook</a:t>
+              <a:t> Billboard list was parsed down to 27,000 songs that were able to get results from the Spotify API.</a:t>
             </a:r>
+          </a:p>
+          <a:p>
+            <a:pPr marL="0" indent="0">
+              <a:buNone/>
+            </a:pPr>
+            <a:endParaRPr lang="en-US" dirty="0"/>
           </a:p>
         </p:txBody>
       </p:sp>
@@ -7545,7 +11420,123 @@
 </p:sld>
 </file>
 
-<file path=ppt/slides/slide5.xml><?xml version="1.0" encoding="utf-8"?>
+<file path=ppt/slides/slide6.xml><?xml version="1.0" encoding="utf-8"?>
+<p:sld xmlns:a="http://schemas.openxmlformats.org/drawingml/2006/main" xmlns:r="http://schemas.openxmlformats.org/officeDocument/2006/relationships" xmlns:p="http://schemas.openxmlformats.org/presentationml/2006/main">
+  <p:cSld>
+    <p:spTree>
+      <p:nvGrpSpPr>
+        <p:cNvPr id="1" name=""/>
+        <p:cNvGrpSpPr/>
+        <p:nvPr/>
+      </p:nvGrpSpPr>
+      <p:grpSpPr>
+        <a:xfrm>
+          <a:off x="0" y="0"/>
+          <a:ext cx="0" cy="0"/>
+          <a:chOff x="0" y="0"/>
+          <a:chExt cx="0" cy="0"/>
+        </a:xfrm>
+      </p:grpSpPr>
+      <p:sp>
+        <p:nvSpPr>
+          <p:cNvPr id="2" name="Title 1">
+            <a:extLst>
+              <a:ext uri="{FF2B5EF4-FFF2-40B4-BE49-F238E27FC236}">
+                <a16:creationId xmlns:a16="http://schemas.microsoft.com/office/drawing/2014/main" id="{5AF37A8C-3483-4436-8948-4DF24ABFF2BC}"/>
+              </a:ext>
+            </a:extLst>
+          </p:cNvPr>
+          <p:cNvSpPr>
+            <a:spLocks noGrp="1"/>
+          </p:cNvSpPr>
+          <p:nvPr>
+            <p:ph type="title"/>
+          </p:nvPr>
+        </p:nvSpPr>
+        <p:spPr/>
+        <p:txBody>
+          <a:bodyPr/>
+          <a:lstStyle/>
+          <a:p>
+            <a:r>
+              <a:rPr lang="en-US" dirty="0"/>
+              <a:t>Data Cleanup &amp; Exploration</a:t>
+            </a:r>
+          </a:p>
+        </p:txBody>
+      </p:sp>
+      <p:sp>
+        <p:nvSpPr>
+          <p:cNvPr id="3" name="Content Placeholder 2">
+            <a:extLst>
+              <a:ext uri="{FF2B5EF4-FFF2-40B4-BE49-F238E27FC236}">
+                <a16:creationId xmlns:a16="http://schemas.microsoft.com/office/drawing/2014/main" id="{BB82C661-2E0B-4672-BBBA-3D1FF55CCCF0}"/>
+              </a:ext>
+            </a:extLst>
+          </p:cNvPr>
+          <p:cNvSpPr>
+            <a:spLocks noGrp="1"/>
+          </p:cNvSpPr>
+          <p:nvPr>
+            <p:ph idx="1"/>
+          </p:nvPr>
+        </p:nvSpPr>
+        <p:spPr/>
+        <p:txBody>
+          <a:bodyPr/>
+          <a:lstStyle/>
+          <a:p>
+            <a:r>
+              <a:rPr lang="en-US" dirty="0">
+                <a:highlight>
+                  <a:srgbClr val="FFFF00"/>
+                </a:highlight>
+              </a:rPr>
+              <a:t>* Present and discuss interesting figures developed during exploration, ideally with the help of </a:t>
+            </a:r>
+            <a:r>
+              <a:rPr lang="en-US" dirty="0" err="1">
+                <a:highlight>
+                  <a:srgbClr val="FFFF00"/>
+                </a:highlight>
+              </a:rPr>
+              <a:t>Jupyter</a:t>
+            </a:r>
+            <a:r>
+              <a:rPr lang="en-US" dirty="0">
+                <a:highlight>
+                  <a:srgbClr val="FFFF00"/>
+                </a:highlight>
+              </a:rPr>
+              <a:t> Notebook</a:t>
+            </a:r>
+            <a:r>
+              <a:rPr lang="en-US" dirty="0"/>
+              <a:t>.</a:t>
+            </a:r>
+          </a:p>
+          <a:p>
+            <a:endParaRPr lang="en-US" dirty="0"/>
+          </a:p>
+          <a:p>
+            <a:endParaRPr lang="en-US" dirty="0"/>
+          </a:p>
+        </p:txBody>
+      </p:sp>
+    </p:spTree>
+    <p:extLst>
+      <p:ext uri="{BB962C8B-B14F-4D97-AF65-F5344CB8AC3E}">
+        <p14:creationId xmlns:p14="http://schemas.microsoft.com/office/powerpoint/2010/main" val="1786828542"/>
+      </p:ext>
+    </p:extLst>
+  </p:cSld>
+  <p:clrMapOvr>
+    <a:masterClrMapping/>
+  </p:clrMapOvr>
+</p:sld>
+</file>
+
+<file path=ppt/slides/slide7.xml><?xml version="1.0" encoding="utf-8"?>
 <p:sld xmlns:a="http://schemas.openxmlformats.org/drawingml/2006/main" xmlns:r="http://schemas.openxmlformats.org/officeDocument/2006/relationships" xmlns:p="http://schemas.openxmlformats.org/presentationml/2006/main">
   <p:cSld>
     <p:spTree>
@@ -7616,7 +11607,11 @@
               <a:t> </a:t>
             </a:r>
             <a:r>
-              <a:rPr lang="en-US" sz="1600" dirty="0"/>
+              <a:rPr lang="en-US" sz="1600" dirty="0">
+                <a:highlight>
+                  <a:srgbClr val="FFFF00"/>
+                </a:highlight>
+              </a:rPr>
               <a:t>Discuss the steps you took to analyze the data and answer each question you asked in your proposal</a:t>
             </a:r>
           </a:p>
@@ -7634,15 +11629,27 @@
           </a:p>
           <a:p>
             <a:r>
-              <a:rPr lang="en-US" sz="1600" dirty="0"/>
+              <a:rPr lang="en-US" sz="1600" dirty="0">
+                <a:highlight>
+                  <a:srgbClr val="FFFF00"/>
+                </a:highlight>
+              </a:rPr>
               <a:t>Present and discuss interesting figures developed during analysis, ideally with the help of </a:t>
             </a:r>
             <a:r>
-              <a:rPr lang="en-US" sz="1600" dirty="0" err="1"/>
+              <a:rPr lang="en-US" sz="1600" dirty="0" err="1">
+                <a:highlight>
+                  <a:srgbClr val="FFFF00"/>
+                </a:highlight>
+              </a:rPr>
               <a:t>Jupyter</a:t>
             </a:r>
             <a:r>
-              <a:rPr lang="en-US" sz="1600" dirty="0"/>
+              <a:rPr lang="en-US" sz="1600" dirty="0">
+                <a:highlight>
+                  <a:srgbClr val="FFFF00"/>
+                </a:highlight>
+              </a:rPr>
               <a:t> Notebook</a:t>
             </a:r>
           </a:p>
@@ -7661,7 +11668,7 @@
 </p:sld>
 </file>
 
-<file path=ppt/slides/slide6.xml><?xml version="1.0" encoding="utf-8"?>
+<file path=ppt/slides/slide8.xml><?xml version="1.0" encoding="utf-8"?>
 <p:sld xmlns:a="http://schemas.openxmlformats.org/drawingml/2006/main" xmlns:r="http://schemas.openxmlformats.org/officeDocument/2006/relationships" xmlns:p="http://schemas.openxmlformats.org/presentationml/2006/main">
   <p:cSld>
     <p:spTree>
@@ -7724,11 +11731,17 @@
         </p:nvSpPr>
         <p:spPr/>
         <p:txBody>
-          <a:bodyPr/>
+          <a:bodyPr>
+            <a:normAutofit/>
+          </a:bodyPr>
           <a:lstStyle/>
           <a:p>
             <a:r>
-              <a:rPr lang="en-US" dirty="0"/>
+              <a:rPr lang="en-US" sz="2000" dirty="0">
+                <a:highlight>
+                  <a:srgbClr val="FFFF00"/>
+                </a:highlight>
+              </a:rPr>
               <a:t>Discuss your findings. Did you find what you expected to find? If not, why not? What inferences or general conclusions can you draw from your analysis?</a:t>
             </a:r>
           </a:p>
@@ -7747,7 +11760,7 @@
 </p:sld>
 </file>
 
-<file path=ppt/slides/slide7.xml><?xml version="1.0" encoding="utf-8"?>
+<file path=ppt/slides/slide9.xml><?xml version="1.0" encoding="utf-8"?>
 <p:sld xmlns:a="http://schemas.openxmlformats.org/drawingml/2006/main" xmlns:r="http://schemas.openxmlformats.org/officeDocument/2006/relationships" xmlns:p="http://schemas.openxmlformats.org/presentationml/2006/main">
   <p:cSld>
     <p:spTree>
@@ -7876,128 +11889,6 @@
     <p:extLst>
       <p:ext uri="{BB962C8B-B14F-4D97-AF65-F5344CB8AC3E}">
         <p14:creationId xmlns:p14="http://schemas.microsoft.com/office/powerpoint/2010/main" val="799648510"/>
-      </p:ext>
-    </p:extLst>
-  </p:cSld>
-  <p:clrMapOvr>
-    <a:masterClrMapping/>
-  </p:clrMapOvr>
-</p:sld>
-</file>
-
-<file path=ppt/slides/slide8.xml><?xml version="1.0" encoding="utf-8"?>
-<p:sld xmlns:a="http://schemas.openxmlformats.org/drawingml/2006/main" xmlns:r="http://schemas.openxmlformats.org/officeDocument/2006/relationships" xmlns:p="http://schemas.openxmlformats.org/presentationml/2006/main">
-  <p:cSld>
-    <p:spTree>
-      <p:nvGrpSpPr>
-        <p:cNvPr id="1" name=""/>
-        <p:cNvGrpSpPr/>
-        <p:nvPr/>
-      </p:nvGrpSpPr>
-      <p:grpSpPr>
-        <a:xfrm>
-          <a:off x="0" y="0"/>
-          <a:ext cx="0" cy="0"/>
-          <a:chOff x="0" y="0"/>
-          <a:chExt cx="0" cy="0"/>
-        </a:xfrm>
-      </p:grpSpPr>
-      <p:sp>
-        <p:nvSpPr>
-          <p:cNvPr id="2" name="Title 1">
-            <a:extLst>
-              <a:ext uri="{FF2B5EF4-FFF2-40B4-BE49-F238E27FC236}">
-                <a16:creationId xmlns:a16="http://schemas.microsoft.com/office/drawing/2014/main" id="{53BC5463-6C7C-4445-A0B3-30A621986985}"/>
-              </a:ext>
-            </a:extLst>
-          </p:cNvPr>
-          <p:cNvSpPr>
-            <a:spLocks noGrp="1"/>
-          </p:cNvSpPr>
-          <p:nvPr>
-            <p:ph type="title"/>
-          </p:nvPr>
-        </p:nvSpPr>
-        <p:spPr/>
-        <p:txBody>
-          <a:bodyPr/>
-          <a:lstStyle/>
-          <a:p>
-            <a:r>
-              <a:rPr lang="en-US" dirty="0"/>
-              <a:t>Post Mortem</a:t>
-            </a:r>
-          </a:p>
-        </p:txBody>
-      </p:sp>
-      <p:sp>
-        <p:nvSpPr>
-          <p:cNvPr id="3" name="Content Placeholder 2">
-            <a:extLst>
-              <a:ext uri="{FF2B5EF4-FFF2-40B4-BE49-F238E27FC236}">
-                <a16:creationId xmlns:a16="http://schemas.microsoft.com/office/drawing/2014/main" id="{8F0DC98A-B65A-4737-B74F-4C78AA7D8728}"/>
-              </a:ext>
-            </a:extLst>
-          </p:cNvPr>
-          <p:cNvSpPr>
-            <a:spLocks noGrp="1"/>
-          </p:cNvSpPr>
-          <p:nvPr>
-            <p:ph idx="1"/>
-          </p:nvPr>
-        </p:nvSpPr>
-        <p:spPr/>
-        <p:txBody>
-          <a:bodyPr/>
-          <a:lstStyle/>
-          <a:p>
-            <a:pPr lvl="0"/>
-            <a:r>
-              <a:rPr lang="en-US" dirty="0"/>
-              <a:t>Song metrics are created by Spotify and the algorithms are not publicly published.</a:t>
-            </a:r>
-          </a:p>
-          <a:p>
-            <a:pPr lvl="1"/>
-            <a:r>
-              <a:rPr lang="en-US" dirty="0"/>
-              <a:t>As of Q3 2018 Earnings (Nov 1) Spotify has 191M active monthly users and 87M paying subscribers.</a:t>
-            </a:r>
-          </a:p>
-          <a:p>
-            <a:pPr lvl="0"/>
-            <a:endParaRPr lang="en-US" dirty="0"/>
-          </a:p>
-          <a:p>
-            <a:pPr lvl="0"/>
-            <a:r>
-              <a:rPr lang="en-US" dirty="0"/>
-              <a:t>Songs that have “remastered” on Greatest Hits or re-release albums</a:t>
-            </a:r>
-          </a:p>
-          <a:p>
-            <a:pPr lvl="1"/>
-            <a:r>
-              <a:rPr lang="en-US" dirty="0"/>
-              <a:t>Sound similar to the human ear, but the API returns slightly different song metrics.</a:t>
-            </a:r>
-          </a:p>
-          <a:p>
-            <a:pPr lvl="0"/>
-            <a:endParaRPr lang="en-US" dirty="0"/>
-          </a:p>
-          <a:p>
-            <a:r>
-              <a:rPr lang="en-US" dirty="0"/>
-              <a:t>Spotify does not have a universal formatting for Songs/Artists </a:t>
-            </a:r>
-          </a:p>
-        </p:txBody>
-      </p:sp>
-    </p:spTree>
-    <p:extLst>
-      <p:ext uri="{BB962C8B-B14F-4D97-AF65-F5344CB8AC3E}">
-        <p14:creationId xmlns:p14="http://schemas.microsoft.com/office/powerpoint/2010/main" val="1783278469"/>
       </p:ext>
     </p:extLst>
   </p:cSld>
